--- a/BDA-Presentation.pptx
+++ b/BDA-Presentation.pptx
@@ -127,6 +127,200 @@
 </p:presentation>
 </file>
 
+<file path=ppt/changesInfos/changesInfo1.xml><?xml version="1.0" encoding="utf-8"?>
+<pc:chgInfo xmlns:a="http://schemas.openxmlformats.org/drawingml/2006/main" xmlns:r="http://schemas.openxmlformats.org/officeDocument/2006/relationships" xmlns:ac="http://schemas.microsoft.com/office/drawing/2013/main/command" xmlns:pc="http://schemas.microsoft.com/office/powerpoint/2013/main/command">
+  <pc:docChgLst>
+    <pc:chgData name="Marco Lorenzo Damiani" userId="db63966ec21857c1" providerId="LiveId" clId="{C01AA7F6-096D-4E43-BA0F-750A0180BADA}"/>
+    <pc:docChg chg="undo custSel modSld">
+      <pc:chgData name="Marco Lorenzo Damiani" userId="db63966ec21857c1" providerId="LiveId" clId="{C01AA7F6-096D-4E43-BA0F-750A0180BADA}" dt="2024-01-30T13:32:01.595" v="48" actId="20577"/>
+      <pc:docMkLst>
+        <pc:docMk/>
+      </pc:docMkLst>
+      <pc:sldChg chg="modSp mod">
+        <pc:chgData name="Marco Lorenzo Damiani" userId="db63966ec21857c1" providerId="LiveId" clId="{C01AA7F6-096D-4E43-BA0F-750A0180BADA}" dt="2024-01-30T13:16:49.067" v="4" actId="20577"/>
+        <pc:sldMkLst>
+          <pc:docMk/>
+          <pc:sldMk cId="2646989327" sldId="257"/>
+        </pc:sldMkLst>
+        <pc:spChg chg="mod">
+          <ac:chgData name="Marco Lorenzo Damiani" userId="db63966ec21857c1" providerId="LiveId" clId="{C01AA7F6-096D-4E43-BA0F-750A0180BADA}" dt="2024-01-30T13:16:49.067" v="4" actId="20577"/>
+          <ac:spMkLst>
+            <pc:docMk/>
+            <pc:sldMk cId="2646989327" sldId="257"/>
+            <ac:spMk id="16" creationId="{423C3984-B656-A81F-488E-CB6E05DA6FF9}"/>
+          </ac:spMkLst>
+        </pc:spChg>
+      </pc:sldChg>
+      <pc:sldChg chg="modSp mod">
+        <pc:chgData name="Marco Lorenzo Damiani" userId="db63966ec21857c1" providerId="LiveId" clId="{C01AA7F6-096D-4E43-BA0F-750A0180BADA}" dt="2024-01-30T13:16:13.086" v="1" actId="20577"/>
+        <pc:sldMkLst>
+          <pc:docMk/>
+          <pc:sldMk cId="687219426" sldId="258"/>
+        </pc:sldMkLst>
+        <pc:spChg chg="mod">
+          <ac:chgData name="Marco Lorenzo Damiani" userId="db63966ec21857c1" providerId="LiveId" clId="{C01AA7F6-096D-4E43-BA0F-750A0180BADA}" dt="2024-01-30T13:16:13.086" v="1" actId="20577"/>
+          <ac:spMkLst>
+            <pc:docMk/>
+            <pc:sldMk cId="687219426" sldId="258"/>
+            <ac:spMk id="16" creationId="{A0424A7F-E859-E72D-D4E1-B4F40ECBFC4F}"/>
+          </ac:spMkLst>
+        </pc:spChg>
+      </pc:sldChg>
+      <pc:sldChg chg="modSp mod">
+        <pc:chgData name="Marco Lorenzo Damiani" userId="db63966ec21857c1" providerId="LiveId" clId="{C01AA7F6-096D-4E43-BA0F-750A0180BADA}" dt="2024-01-30T13:16:26.160" v="2" actId="20577"/>
+        <pc:sldMkLst>
+          <pc:docMk/>
+          <pc:sldMk cId="4168180153" sldId="261"/>
+        </pc:sldMkLst>
+        <pc:spChg chg="mod">
+          <ac:chgData name="Marco Lorenzo Damiani" userId="db63966ec21857c1" providerId="LiveId" clId="{C01AA7F6-096D-4E43-BA0F-750A0180BADA}" dt="2024-01-30T13:16:26.160" v="2" actId="20577"/>
+          <ac:spMkLst>
+            <pc:docMk/>
+            <pc:sldMk cId="4168180153" sldId="261"/>
+            <ac:spMk id="3" creationId="{AD809FFB-D9F0-BC12-1E26-518B57344B18}"/>
+          </ac:spMkLst>
+        </pc:spChg>
+      </pc:sldChg>
+      <pc:sldChg chg="modSp mod">
+        <pc:chgData name="Marco Lorenzo Damiani" userId="db63966ec21857c1" providerId="LiveId" clId="{C01AA7F6-096D-4E43-BA0F-750A0180BADA}" dt="2024-01-30T13:17:18.480" v="6" actId="20577"/>
+        <pc:sldMkLst>
+          <pc:docMk/>
+          <pc:sldMk cId="2824732721" sldId="262"/>
+        </pc:sldMkLst>
+        <pc:spChg chg="mod">
+          <ac:chgData name="Marco Lorenzo Damiani" userId="db63966ec21857c1" providerId="LiveId" clId="{C01AA7F6-096D-4E43-BA0F-750A0180BADA}" dt="2024-01-30T13:17:18.480" v="6" actId="20577"/>
+          <ac:spMkLst>
+            <pc:docMk/>
+            <pc:sldMk cId="2824732721" sldId="262"/>
+            <ac:spMk id="3" creationId="{C8ABD4D6-CE4F-F0BA-758A-4B3CD6423C97}"/>
+          </ac:spMkLst>
+        </pc:spChg>
+      </pc:sldChg>
+      <pc:sldChg chg="modSp mod">
+        <pc:chgData name="Marco Lorenzo Damiani" userId="db63966ec21857c1" providerId="LiveId" clId="{C01AA7F6-096D-4E43-BA0F-750A0180BADA}" dt="2024-01-30T13:21:51.973" v="10" actId="114"/>
+        <pc:sldMkLst>
+          <pc:docMk/>
+          <pc:sldMk cId="4156399124" sldId="264"/>
+        </pc:sldMkLst>
+        <pc:spChg chg="mod">
+          <ac:chgData name="Marco Lorenzo Damiani" userId="db63966ec21857c1" providerId="LiveId" clId="{C01AA7F6-096D-4E43-BA0F-750A0180BADA}" dt="2024-01-30T13:21:51.973" v="10" actId="114"/>
+          <ac:spMkLst>
+            <pc:docMk/>
+            <pc:sldMk cId="4156399124" sldId="264"/>
+            <ac:spMk id="3" creationId="{17A33957-265C-393A-7576-C6F47B9B6F17}"/>
+          </ac:spMkLst>
+        </pc:spChg>
+      </pc:sldChg>
+      <pc:sldChg chg="modSp mod">
+        <pc:chgData name="Marco Lorenzo Damiani" userId="db63966ec21857c1" providerId="LiveId" clId="{C01AA7F6-096D-4E43-BA0F-750A0180BADA}" dt="2024-01-30T13:28:40.046" v="22" actId="20577"/>
+        <pc:sldMkLst>
+          <pc:docMk/>
+          <pc:sldMk cId="3459259988" sldId="265"/>
+        </pc:sldMkLst>
+        <pc:spChg chg="mod">
+          <ac:chgData name="Marco Lorenzo Damiani" userId="db63966ec21857c1" providerId="LiveId" clId="{C01AA7F6-096D-4E43-BA0F-750A0180BADA}" dt="2024-01-30T13:28:40.046" v="22" actId="20577"/>
+          <ac:spMkLst>
+            <pc:docMk/>
+            <pc:sldMk cId="3459259988" sldId="265"/>
+            <ac:spMk id="3" creationId="{4075852D-390C-4C2C-5056-166A8D03C699}"/>
+          </ac:spMkLst>
+        </pc:spChg>
+      </pc:sldChg>
+      <pc:sldChg chg="modSp mod">
+        <pc:chgData name="Marco Lorenzo Damiani" userId="db63966ec21857c1" providerId="LiveId" clId="{C01AA7F6-096D-4E43-BA0F-750A0180BADA}" dt="2024-01-30T13:29:05.644" v="31" actId="20577"/>
+        <pc:sldMkLst>
+          <pc:docMk/>
+          <pc:sldMk cId="3126199713" sldId="266"/>
+        </pc:sldMkLst>
+        <pc:spChg chg="mod">
+          <ac:chgData name="Marco Lorenzo Damiani" userId="db63966ec21857c1" providerId="LiveId" clId="{C01AA7F6-096D-4E43-BA0F-750A0180BADA}" dt="2024-01-30T13:29:05.644" v="31" actId="20577"/>
+          <ac:spMkLst>
+            <pc:docMk/>
+            <pc:sldMk cId="3126199713" sldId="266"/>
+            <ac:spMk id="3" creationId="{195D7DAB-941C-13DC-24A0-A3956BB101AC}"/>
+          </ac:spMkLst>
+        </pc:spChg>
+      </pc:sldChg>
+      <pc:sldChg chg="modSp mod">
+        <pc:chgData name="Marco Lorenzo Damiani" userId="db63966ec21857c1" providerId="LiveId" clId="{C01AA7F6-096D-4E43-BA0F-750A0180BADA}" dt="2024-01-30T13:29:32.761" v="34" actId="20577"/>
+        <pc:sldMkLst>
+          <pc:docMk/>
+          <pc:sldMk cId="3893840255" sldId="267"/>
+        </pc:sldMkLst>
+        <pc:spChg chg="mod">
+          <ac:chgData name="Marco Lorenzo Damiani" userId="db63966ec21857c1" providerId="LiveId" clId="{C01AA7F6-096D-4E43-BA0F-750A0180BADA}" dt="2024-01-30T13:29:32.761" v="34" actId="20577"/>
+          <ac:spMkLst>
+            <pc:docMk/>
+            <pc:sldMk cId="3893840255" sldId="267"/>
+            <ac:spMk id="3" creationId="{757B7A34-E92E-A5A0-2771-5792D9504B89}"/>
+          </ac:spMkLst>
+        </pc:spChg>
+      </pc:sldChg>
+      <pc:sldChg chg="modSp mod">
+        <pc:chgData name="Marco Lorenzo Damiani" userId="db63966ec21857c1" providerId="LiveId" clId="{C01AA7F6-096D-4E43-BA0F-750A0180BADA}" dt="2024-01-30T13:30:45.984" v="37" actId="20577"/>
+        <pc:sldMkLst>
+          <pc:docMk/>
+          <pc:sldMk cId="3376781417" sldId="270"/>
+        </pc:sldMkLst>
+        <pc:spChg chg="mod">
+          <ac:chgData name="Marco Lorenzo Damiani" userId="db63966ec21857c1" providerId="LiveId" clId="{C01AA7F6-096D-4E43-BA0F-750A0180BADA}" dt="2024-01-30T13:30:45.984" v="37" actId="20577"/>
+          <ac:spMkLst>
+            <pc:docMk/>
+            <pc:sldMk cId="3376781417" sldId="270"/>
+            <ac:spMk id="3" creationId="{F1A89B7D-1430-7EF1-F8CB-6FF9B04C1E28}"/>
+          </ac:spMkLst>
+        </pc:spChg>
+      </pc:sldChg>
+      <pc:sldChg chg="modSp mod">
+        <pc:chgData name="Marco Lorenzo Damiani" userId="db63966ec21857c1" providerId="LiveId" clId="{C01AA7F6-096D-4E43-BA0F-750A0180BADA}" dt="2024-01-30T13:31:10.583" v="39" actId="20577"/>
+        <pc:sldMkLst>
+          <pc:docMk/>
+          <pc:sldMk cId="3395795975" sldId="271"/>
+        </pc:sldMkLst>
+        <pc:spChg chg="mod">
+          <ac:chgData name="Marco Lorenzo Damiani" userId="db63966ec21857c1" providerId="LiveId" clId="{C01AA7F6-096D-4E43-BA0F-750A0180BADA}" dt="2024-01-30T13:31:10.583" v="39" actId="20577"/>
+          <ac:spMkLst>
+            <pc:docMk/>
+            <pc:sldMk cId="3395795975" sldId="271"/>
+            <ac:spMk id="3" creationId="{1BB0B199-E404-43B7-F54F-13EBCE3E93BC}"/>
+          </ac:spMkLst>
+        </pc:spChg>
+      </pc:sldChg>
+      <pc:sldChg chg="modSp mod">
+        <pc:chgData name="Marco Lorenzo Damiani" userId="db63966ec21857c1" providerId="LiveId" clId="{C01AA7F6-096D-4E43-BA0F-750A0180BADA}" dt="2024-01-30T13:31:51.108" v="46" actId="20577"/>
+        <pc:sldMkLst>
+          <pc:docMk/>
+          <pc:sldMk cId="2931947538" sldId="272"/>
+        </pc:sldMkLst>
+        <pc:spChg chg="mod">
+          <ac:chgData name="Marco Lorenzo Damiani" userId="db63966ec21857c1" providerId="LiveId" clId="{C01AA7F6-096D-4E43-BA0F-750A0180BADA}" dt="2024-01-30T13:31:51.108" v="46" actId="20577"/>
+          <ac:spMkLst>
+            <pc:docMk/>
+            <pc:sldMk cId="2931947538" sldId="272"/>
+            <ac:spMk id="3" creationId="{7E12CD3C-BB26-22C0-D8FC-2B9019D7766E}"/>
+          </ac:spMkLst>
+        </pc:spChg>
+      </pc:sldChg>
+      <pc:sldChg chg="modSp mod">
+        <pc:chgData name="Marco Lorenzo Damiani" userId="db63966ec21857c1" providerId="LiveId" clId="{C01AA7F6-096D-4E43-BA0F-750A0180BADA}" dt="2024-01-30T13:32:01.595" v="48" actId="20577"/>
+        <pc:sldMkLst>
+          <pc:docMk/>
+          <pc:sldMk cId="1374965930" sldId="274"/>
+        </pc:sldMkLst>
+        <pc:spChg chg="mod">
+          <ac:chgData name="Marco Lorenzo Damiani" userId="db63966ec21857c1" providerId="LiveId" clId="{C01AA7F6-096D-4E43-BA0F-750A0180BADA}" dt="2024-01-30T13:32:01.595" v="48" actId="20577"/>
+          <ac:spMkLst>
+            <pc:docMk/>
+            <pc:sldMk cId="1374965930" sldId="274"/>
+            <ac:spMk id="7" creationId="{66D70A70-57E9-0CEB-5B1E-239DE8887E5C}"/>
+          </ac:spMkLst>
+        </pc:spChg>
+      </pc:sldChg>
+    </pc:docChg>
+  </pc:docChgLst>
+</pc:chgInfo>
+</file>
+
 <file path=ppt/slideLayouts/slideLayout1.xml><?xml version="1.0" encoding="utf-8"?>
 <p:sldLayout xmlns:a="http://schemas.openxmlformats.org/drawingml/2006/main" xmlns:r="http://schemas.openxmlformats.org/officeDocument/2006/relationships" xmlns:p="http://schemas.openxmlformats.org/presentationml/2006/main" showMasterSp="0" type="title" preserve="1">
   <p:cSld name="Diapositiva titolo">
@@ -297,7 +491,7 @@
             <a:fld id="{87DE6118-2437-4B30-8E3C-4D2BE6020583}" type="datetimeFigureOut">
               <a:rPr lang="en-US" smtClean="0"/>
               <a:pPr/>
-              <a:t>1/26/24</a:t>
+              <a:t>1/30/2024</a:t>
             </a:fld>
             <a:endParaRPr lang="en-US" dirty="0"/>
           </a:p>
@@ -628,7 +822,7 @@
           <a:p>
             <a:fld id="{87DE6118-2437-4B30-8E3C-4D2BE6020583}" type="datetimeFigureOut">
               <a:rPr lang="en-US" smtClean="0"/>
-              <a:t>1/26/24</a:t>
+              <a:t>1/30/2024</a:t>
             </a:fld>
             <a:endParaRPr lang="en-US" dirty="0"/>
           </a:p>
@@ -809,7 +1003,7 @@
             <a:fld id="{87DE6118-2437-4B30-8E3C-4D2BE6020583}" type="datetimeFigureOut">
               <a:rPr lang="en-US" smtClean="0"/>
               <a:pPr/>
-              <a:t>1/26/24</a:t>
+              <a:t>1/30/2024</a:t>
             </a:fld>
             <a:endParaRPr lang="en-US" dirty="0"/>
           </a:p>
@@ -980,7 +1174,7 @@
           <a:p>
             <a:fld id="{87DE6118-2437-4B30-8E3C-4D2BE6020583}" type="datetimeFigureOut">
               <a:rPr lang="en-US" smtClean="0"/>
-              <a:t>1/26/24</a:t>
+              <a:t>1/30/2024</a:t>
             </a:fld>
             <a:endParaRPr lang="en-US" dirty="0"/>
           </a:p>
@@ -1258,7 +1452,7 @@
             <a:fld id="{87DE6118-2437-4B30-8E3C-4D2BE6020583}" type="datetimeFigureOut">
               <a:rPr lang="en-US" smtClean="0"/>
               <a:pPr/>
-              <a:t>1/26/24</a:t>
+              <a:t>1/30/2024</a:t>
             </a:fld>
             <a:endParaRPr lang="en-US" dirty="0"/>
           </a:p>
@@ -1653,7 +1847,7 @@
           <a:p>
             <a:fld id="{87DE6118-2437-4B30-8E3C-4D2BE6020583}" type="datetimeFigureOut">
               <a:rPr lang="en-US" smtClean="0"/>
-              <a:t>1/26/24</a:t>
+              <a:t>1/30/2024</a:t>
             </a:fld>
             <a:endParaRPr lang="en-US" dirty="0"/>
           </a:p>
@@ -2130,7 +2324,7 @@
           <a:p>
             <a:fld id="{87DE6118-2437-4B30-8E3C-4D2BE6020583}" type="datetimeFigureOut">
               <a:rPr lang="en-US" smtClean="0"/>
-              <a:t>1/26/24</a:t>
+              <a:t>1/30/2024</a:t>
             </a:fld>
             <a:endParaRPr lang="en-US" dirty="0"/>
           </a:p>
@@ -2248,7 +2442,7 @@
           <a:p>
             <a:fld id="{87DE6118-2437-4B30-8E3C-4D2BE6020583}" type="datetimeFigureOut">
               <a:rPr lang="en-US" smtClean="0"/>
-              <a:t>1/26/24</a:t>
+              <a:t>1/30/2024</a:t>
             </a:fld>
             <a:endParaRPr lang="en-US" dirty="0"/>
           </a:p>
@@ -2343,7 +2537,7 @@
           <a:p>
             <a:fld id="{87DE6118-2437-4B30-8E3C-4D2BE6020583}" type="datetimeFigureOut">
               <a:rPr lang="en-US" smtClean="0"/>
-              <a:t>1/26/24</a:t>
+              <a:t>1/30/2024</a:t>
             </a:fld>
             <a:endParaRPr lang="en-US" dirty="0"/>
           </a:p>
@@ -2690,7 +2884,7 @@
             <a:fld id="{87DE6118-2437-4B30-8E3C-4D2BE6020583}" type="datetimeFigureOut">
               <a:rPr lang="en-US" smtClean="0"/>
               <a:pPr/>
-              <a:t>1/26/24</a:t>
+              <a:t>1/30/2024</a:t>
             </a:fld>
             <a:endParaRPr lang="en-US" dirty="0"/>
           </a:p>
@@ -3080,7 +3274,7 @@
             <a:fld id="{87DE6118-2437-4B30-8E3C-4D2BE6020583}" type="datetimeFigureOut">
               <a:rPr lang="en-US" smtClean="0"/>
               <a:pPr/>
-              <a:t>1/26/24</a:t>
+              <a:t>1/30/2024</a:t>
             </a:fld>
             <a:endParaRPr lang="en-US" dirty="0"/>
           </a:p>
@@ -3360,7 +3554,7 @@
             <a:fld id="{87DE6118-2437-4B30-8E3C-4D2BE6020583}" type="datetimeFigureOut">
               <a:rPr lang="en-US" smtClean="0"/>
               <a:pPr/>
-              <a:t>1/26/24</a:t>
+              <a:t>1/30/2024</a:t>
             </a:fld>
             <a:endParaRPr lang="en-US" dirty="0"/>
           </a:p>
@@ -4181,12 +4375,8 @@
           <a:p>
             <a:pPr lvl="1"/>
             <a:r>
-              <a:rPr lang="it-IT" i="0" dirty="0" err="1"/>
-              <a:t>They</a:t>
-            </a:r>
-            <a:r>
-              <a:rPr lang="it-IT" i="0" dirty="0"/>
-              <a:t> are </a:t>
+              <a:rPr lang="it-IT" i="0" dirty="0"/>
+              <a:t>They are </a:t>
             </a:r>
             <a:r>
               <a:rPr lang="it-IT" i="0" dirty="0" err="1"/>
@@ -4218,26 +4408,14 @@
             </a:r>
             <a:r>
               <a:rPr lang="it-IT" i="0" dirty="0"/>
-              <a:t> </a:t>
-            </a:r>
-            <a:r>
-              <a:rPr lang="it-IT" i="0" dirty="0" err="1"/>
-              <a:t>between</a:t>
-            </a:r>
-            <a:r>
-              <a:rPr lang="it-IT" i="0" dirty="0"/>
-              <a:t> features and labels</a:t>
+              <a:t> between features and labels</a:t>
             </a:r>
           </a:p>
           <a:p>
             <a:pPr lvl="1"/>
             <a:r>
-              <a:rPr lang="it-IT" i="0" dirty="0" err="1"/>
-              <a:t>They</a:t>
-            </a:r>
-            <a:r>
-              <a:rPr lang="it-IT" i="0" dirty="0"/>
-              <a:t> </a:t>
+              <a:rPr lang="it-IT" i="0" dirty="0"/>
+              <a:t>They </a:t>
             </a:r>
             <a:r>
               <a:rPr lang="it-IT" i="0" dirty="0" err="1"/>
@@ -4245,15 +4423,7 @@
             </a:r>
             <a:r>
               <a:rPr lang="it-IT" i="0" dirty="0"/>
-              <a:t> to be </a:t>
-            </a:r>
-            <a:r>
-              <a:rPr lang="it-IT" i="0" dirty="0" err="1"/>
-              <a:t>less</a:t>
-            </a:r>
-            <a:r>
-              <a:rPr lang="it-IT" i="0" dirty="0"/>
-              <a:t> sensitive to </a:t>
+              <a:t> to be less sensitive to </a:t>
             </a:r>
             <a:r>
               <a:rPr lang="it-IT" i="0" dirty="0" err="1"/>
@@ -4269,24 +4439,13 @@
             </a:r>
             <a:r>
               <a:rPr lang="it-IT" i="0" dirty="0"/>
-              <a:t> to </a:t>
-            </a:r>
-            <a:r>
-              <a:rPr lang="it-IT" i="0" dirty="0" err="1"/>
-              <a:t>other</a:t>
-            </a:r>
-            <a:r>
-              <a:rPr lang="it-IT" i="0" dirty="0"/>
-              <a:t> </a:t>
+              <a:t> to other </a:t>
             </a:r>
             <a:r>
               <a:rPr lang="it-IT" i="0" dirty="0" err="1"/>
               <a:t>methods</a:t>
             </a:r>
-            <a:r>
-              <a:rPr lang="it-IT" i="0" dirty="0"/>
-              <a:t>.</a:t>
-            </a:r>
+            <a:endParaRPr lang="it-IT" i="0" dirty="0"/>
           </a:p>
         </p:txBody>
       </p:sp>
@@ -5848,15 +6007,7 @@
             </a:r>
             <a:r>
               <a:rPr lang="it-IT" dirty="0"/>
-              <a:t> the dataset </a:t>
-            </a:r>
-            <a:r>
-              <a:rPr lang="it-IT" dirty="0" err="1"/>
-              <a:t>into</a:t>
-            </a:r>
-            <a:r>
-              <a:rPr lang="it-IT" dirty="0"/>
-              <a:t> </a:t>
+              <a:t> the dataset into </a:t>
             </a:r>
             <a:r>
               <a:rPr lang="it-IT" dirty="0" err="1"/>
@@ -5894,10 +6045,7 @@
               <a:rPr lang="it-IT" dirty="0" err="1"/>
               <a:t>effectively</a:t>
             </a:r>
-            <a:r>
-              <a:rPr lang="it-IT" dirty="0"/>
-              <a:t>.</a:t>
-            </a:r>
+            <a:endParaRPr lang="it-IT" dirty="0"/>
           </a:p>
           <a:p>
             <a:pPr lvl="2"/>
@@ -6003,12 +6151,8 @@
           <a:p>
             <a:pPr lvl="2"/>
             <a:r>
-              <a:rPr lang="it-IT" i="0" dirty="0" err="1"/>
-              <a:t>It</a:t>
-            </a:r>
-            <a:r>
-              <a:rPr lang="it-IT" i="0" dirty="0"/>
-              <a:t> </a:t>
+              <a:rPr lang="it-IT" i="0" dirty="0"/>
+              <a:t>It </a:t>
             </a:r>
             <a:r>
               <a:rPr lang="it-IT" i="0" dirty="0" err="1"/>
@@ -6020,7 +6164,7 @@
             </a:r>
             <a:r>
               <a:rPr lang="it-IT" i="0" dirty="0" err="1"/>
-              <a:t>gretest</a:t>
+              <a:t>greatest</a:t>
             </a:r>
             <a:r>
               <a:rPr lang="it-IT" i="0" dirty="0"/>
@@ -6032,15 +6176,7 @@
             </a:r>
             <a:r>
               <a:rPr lang="it-IT" i="0" dirty="0"/>
-              <a:t> </a:t>
-            </a:r>
-            <a:r>
-              <a:rPr lang="it-IT" i="0" dirty="0" err="1"/>
-              <a:t>between</a:t>
-            </a:r>
-            <a:r>
-              <a:rPr lang="it-IT" i="0" dirty="0"/>
-              <a:t> the </a:t>
+              <a:t> between the </a:t>
             </a:r>
             <a:r>
               <a:rPr lang="it-IT" i="0" dirty="0" err="1"/>
@@ -6064,7 +6200,7 @@
             </a:r>
             <a:r>
               <a:rPr lang="it-IT" i="0" dirty="0"/>
-              <a:t> class.</a:t>
+              <a:t> class</a:t>
             </a:r>
           </a:p>
           <a:p>
@@ -6411,32 +6547,13 @@
               <a:rPr lang="it-IT" dirty="0" err="1"/>
               <a:t>regression</a:t>
             </a:r>
+            <a:endParaRPr lang="it-IT" dirty="0"/>
+          </a:p>
+          <a:p>
+            <a:pPr lvl="2"/>
             <a:r>
               <a:rPr lang="it-IT" dirty="0"/>
-              <a:t>.</a:t>
-            </a:r>
-          </a:p>
-          <a:p>
-            <a:pPr lvl="2"/>
-            <a:r>
-              <a:rPr lang="it-IT" dirty="0"/>
-              <a:t>Models </a:t>
-            </a:r>
-            <a:r>
-              <a:rPr lang="it-IT" dirty="0" err="1"/>
-              <a:t>not</a:t>
-            </a:r>
-            <a:r>
-              <a:rPr lang="it-IT" dirty="0"/>
-              <a:t> </a:t>
-            </a:r>
-            <a:r>
-              <a:rPr lang="it-IT" dirty="0" err="1"/>
-              <a:t>only</a:t>
-            </a:r>
-            <a:r>
-              <a:rPr lang="it-IT" dirty="0"/>
-              <a:t> linear </a:t>
+              <a:t>Models not only linear </a:t>
             </a:r>
             <a:r>
               <a:rPr lang="it-IT" dirty="0" err="1"/>
@@ -6444,31 +6561,7 @@
             </a:r>
             <a:r>
               <a:rPr lang="it-IT" dirty="0"/>
-              <a:t> </a:t>
-            </a:r>
-            <a:r>
-              <a:rPr lang="it-IT" dirty="0" err="1"/>
-              <a:t>but</a:t>
-            </a:r>
-            <a:r>
-              <a:rPr lang="it-IT" dirty="0"/>
-              <a:t> </a:t>
-            </a:r>
-            <a:r>
-              <a:rPr lang="it-IT" dirty="0" err="1"/>
-              <a:t>also</a:t>
-            </a:r>
-            <a:r>
-              <a:rPr lang="it-IT" dirty="0"/>
-              <a:t> interactions </a:t>
-            </a:r>
-            <a:r>
-              <a:rPr lang="it-IT" dirty="0" err="1"/>
-              <a:t>between</a:t>
-            </a:r>
-            <a:r>
-              <a:rPr lang="it-IT" dirty="0"/>
-              <a:t> </a:t>
+              <a:t> but also interactions between </a:t>
             </a:r>
             <a:r>
               <a:rPr lang="it-IT" dirty="0" err="1"/>
@@ -6476,15 +6569,7 @@
             </a:r>
             <a:r>
               <a:rPr lang="it-IT" dirty="0"/>
-              <a:t> of features </a:t>
-            </a:r>
-            <a:r>
-              <a:rPr lang="it-IT" dirty="0" err="1"/>
-              <a:t>using</a:t>
-            </a:r>
-            <a:r>
-              <a:rPr lang="it-IT" dirty="0"/>
-              <a:t> </a:t>
+              <a:t> of features using </a:t>
             </a:r>
             <a:r>
               <a:rPr lang="it-IT" dirty="0" err="1"/>
@@ -6497,10 +6582,6 @@
             <a:r>
               <a:rPr lang="it-IT" dirty="0" err="1"/>
               <a:t>parameters</a:t>
-            </a:r>
-            <a:r>
-              <a:rPr lang="it-IT" dirty="0"/>
-              <a:t>.</a:t>
             </a:r>
             <a:endParaRPr lang="it-IT" i="0" dirty="0"/>
           </a:p>
@@ -6746,12 +6827,8 @@
           <a:p>
             <a:pPr lvl="1"/>
             <a:r>
-              <a:rPr lang="it-IT" i="0" dirty="0" err="1"/>
-              <a:t>They</a:t>
-            </a:r>
-            <a:r>
-              <a:rPr lang="it-IT" i="0" dirty="0"/>
-              <a:t> are </a:t>
+              <a:rPr lang="it-IT" i="0" dirty="0"/>
+              <a:t>They are </a:t>
             </a:r>
             <a:r>
               <a:rPr lang="it-IT" i="0" dirty="0" err="1"/>
@@ -6759,40 +6836,13 @@
             </a:r>
             <a:r>
               <a:rPr lang="it-IT" i="0" dirty="0"/>
-              <a:t> to model interactions </a:t>
-            </a:r>
-            <a:r>
-              <a:rPr lang="it-IT" i="0" dirty="0" err="1"/>
-              <a:t>between</a:t>
-            </a:r>
-            <a:r>
-              <a:rPr lang="it-IT" i="0" dirty="0"/>
-              <a:t> </a:t>
-            </a:r>
-            <a:r>
-              <a:rPr lang="it-IT" i="0" dirty="0" err="1"/>
-              <a:t>any</a:t>
-            </a:r>
-            <a:r>
-              <a:rPr lang="it-IT" i="0" dirty="0"/>
-              <a:t> </a:t>
-            </a:r>
-            <a:r>
-              <a:rPr lang="it-IT" i="0" dirty="0" err="1"/>
-              <a:t>two</a:t>
-            </a:r>
-            <a:r>
-              <a:rPr lang="it-IT" i="0" dirty="0"/>
-              <a:t> features </a:t>
+              <a:t> to model interactions between any two features </a:t>
             </a:r>
             <a:r>
               <a:rPr lang="it-IT" i="0" dirty="0" err="1"/>
               <a:t>efficiently</a:t>
             </a:r>
-            <a:r>
-              <a:rPr lang="it-IT" i="0" dirty="0"/>
-              <a:t>.</a:t>
-            </a:r>
+            <a:endParaRPr lang="it-IT" i="0" dirty="0"/>
           </a:p>
           <a:p>
             <a:pPr lvl="1"/>
@@ -6826,15 +6876,7 @@
             </a:r>
             <a:r>
               <a:rPr lang="it-IT" i="0" dirty="0"/>
-              <a:t> </a:t>
-            </a:r>
-            <a:r>
-              <a:rPr lang="it-IT" i="0" dirty="0" err="1"/>
-              <a:t>where</a:t>
-            </a:r>
-            <a:r>
-              <a:rPr lang="it-IT" i="0" dirty="0"/>
-              <a:t> the </a:t>
+              <a:t> where the </a:t>
             </a:r>
             <a:r>
               <a:rPr lang="it-IT" i="0" dirty="0" err="1"/>
@@ -6842,42 +6884,14 @@
             </a:r>
             <a:r>
               <a:rPr lang="it-IT" i="0" dirty="0"/>
-              <a:t> </a:t>
-            </a:r>
-            <a:r>
-              <a:rPr lang="it-IT" i="0" dirty="0" err="1"/>
-              <a:t>between</a:t>
-            </a:r>
-            <a:r>
-              <a:rPr lang="it-IT" i="0" dirty="0"/>
-              <a:t> features </a:t>
-            </a:r>
-            <a:r>
-              <a:rPr lang="it-IT" i="0" dirty="0" err="1"/>
-              <a:t>is</a:t>
-            </a:r>
-            <a:r>
-              <a:rPr lang="it-IT" i="0" dirty="0"/>
-              <a:t> </a:t>
-            </a:r>
-            <a:r>
-              <a:rPr lang="it-IT" i="0" dirty="0" err="1"/>
-              <a:t>not</a:t>
-            </a:r>
-            <a:r>
-              <a:rPr lang="it-IT" i="0" dirty="0"/>
-              <a:t> just linear.</a:t>
+              <a:t> between features is not just linear</a:t>
             </a:r>
           </a:p>
           <a:p>
             <a:pPr lvl="1"/>
             <a:r>
-              <a:rPr lang="it-IT" i="0" dirty="0" err="1"/>
-              <a:t>Their</a:t>
-            </a:r>
-            <a:r>
-              <a:rPr lang="it-IT" i="0" dirty="0"/>
-              <a:t> </a:t>
+              <a:rPr lang="it-IT" i="0" dirty="0"/>
+              <a:t>Their </a:t>
             </a:r>
             <a:r>
               <a:rPr lang="it-IT" i="0" dirty="0" err="1"/>
@@ -6889,7 +6903,7 @@
             </a:r>
             <a:r>
               <a:rPr lang="it-IT" i="0" dirty="0" err="1"/>
-              <a:t>allow</a:t>
+              <a:t>allows</a:t>
             </a:r>
             <a:r>
               <a:rPr lang="it-IT" i="0" dirty="0"/>
@@ -6925,7 +6939,7 @@
             </a:r>
             <a:r>
               <a:rPr lang="it-IT" i="0" dirty="0"/>
-              <a:t> patterns in the data.</a:t>
+              <a:t> patterns in the data</a:t>
             </a:r>
           </a:p>
         </p:txBody>
@@ -7846,8 +7860,12 @@
           <a:p>
             <a:pPr lvl="1"/>
             <a:r>
-              <a:rPr lang="it-IT" i="0" dirty="0" err="1"/>
-              <a:t>Tree-based</a:t>
+              <a:rPr lang="it-IT" i="0" dirty="0"/>
+              <a:t>Tree-</a:t>
+            </a:r>
+            <a:r>
+              <a:rPr lang="it-IT" i="0" dirty="0" err="1"/>
+              <a:t>based</a:t>
             </a:r>
             <a:r>
               <a:rPr lang="it-IT" i="0" dirty="0"/>
@@ -7859,23 +7877,7 @@
             </a:r>
             <a:r>
               <a:rPr lang="it-IT" i="0" dirty="0"/>
-              <a:t> </a:t>
-            </a:r>
-            <a:r>
-              <a:rPr lang="it-IT" i="0" dirty="0" err="1"/>
-              <a:t>very</a:t>
-            </a:r>
-            <a:r>
-              <a:rPr lang="it-IT" i="0" dirty="0"/>
-              <a:t> </a:t>
-            </a:r>
-            <a:r>
-              <a:rPr lang="it-IT" i="0" dirty="0" err="1"/>
-              <a:t>well</a:t>
-            </a:r>
-            <a:r>
-              <a:rPr lang="it-IT" i="0" dirty="0"/>
-              <a:t>.</a:t>
+              <a:t> very well</a:t>
             </a:r>
           </a:p>
           <a:p>
@@ -7894,23 +7896,7 @@
             </a:r>
             <a:r>
               <a:rPr lang="it-IT" i="0" dirty="0"/>
-              <a:t> </a:t>
-            </a:r>
-            <a:r>
-              <a:rPr lang="it-IT" i="0" dirty="0" err="1"/>
-              <a:t>Tree</a:t>
-            </a:r>
-            <a:r>
-              <a:rPr lang="it-IT" i="0" dirty="0"/>
-              <a:t> </a:t>
-            </a:r>
-            <a:r>
-              <a:rPr lang="it-IT" i="0" dirty="0" err="1"/>
-              <a:t>has</a:t>
-            </a:r>
-            <a:r>
-              <a:rPr lang="it-IT" i="0" dirty="0"/>
-              <a:t> a </a:t>
+              <a:t> Tree has a </a:t>
             </a:r>
             <a:r>
               <a:rPr lang="it-IT" i="0" dirty="0" err="1"/>
@@ -7932,10 +7918,7 @@
               <a:rPr lang="it-IT" i="0" dirty="0" err="1"/>
               <a:t>result</a:t>
             </a:r>
-            <a:r>
-              <a:rPr lang="it-IT" i="0" dirty="0"/>
-              <a:t>.</a:t>
-            </a:r>
+            <a:endParaRPr lang="it-IT" i="0" dirty="0"/>
           </a:p>
           <a:p>
             <a:r>
@@ -8561,12 +8544,8 @@
           <a:p>
             <a:pPr lvl="0"/>
             <a:r>
-              <a:rPr lang="it-IT" baseline="0" dirty="0" err="1"/>
-              <a:t>It</a:t>
-            </a:r>
-            <a:r>
               <a:rPr lang="it-IT" baseline="0" dirty="0"/>
-              <a:t> </a:t>
+              <a:t>It </a:t>
             </a:r>
             <a:r>
               <a:rPr lang="it-IT" baseline="0" dirty="0" err="1"/>
@@ -9367,12 +9346,12 @@
               <a:t> a custom </a:t>
             </a:r>
             <a:r>
-              <a:rPr lang="it-IT" baseline="0" dirty="0" err="1"/>
-              <a:t>linux</a:t>
+              <a:rPr lang="it-IT" dirty="0"/>
+              <a:t>L</a:t>
             </a:r>
             <a:r>
               <a:rPr lang="it-IT" baseline="0" dirty="0"/>
-              <a:t> image.</a:t>
+              <a:t>inux image.</a:t>
             </a:r>
             <a:endParaRPr lang="it-IT" dirty="0"/>
           </a:p>
@@ -9763,15 +9742,7 @@
             </a:r>
             <a:r>
               <a:rPr lang="it-IT" sz="1800" i="0" dirty="0"/>
-              <a:t> with the </a:t>
-            </a:r>
-            <a:r>
-              <a:rPr lang="it-IT" sz="1800" i="0" dirty="0" err="1"/>
-              <a:t>most</a:t>
-            </a:r>
-            <a:r>
-              <a:rPr lang="it-IT" sz="1800" i="0" dirty="0"/>
-              <a:t> </a:t>
+              <a:t> with the most </a:t>
             </a:r>
             <a:r>
               <a:rPr lang="it-IT" sz="1800" i="0" dirty="0" err="1"/>
@@ -9801,10 +9772,7 @@
               <a:rPr lang="it-IT" sz="1800" i="0" dirty="0" err="1"/>
               <a:t>column</a:t>
             </a:r>
-            <a:r>
-              <a:rPr lang="it-IT" sz="1800" dirty="0"/>
-              <a:t>.</a:t>
-            </a:r>
+            <a:endParaRPr lang="it-IT" sz="1800" dirty="0"/>
           </a:p>
           <a:p>
             <a:pPr lvl="0"/>
@@ -10283,19 +10251,11 @@
             </a:r>
             <a:r>
               <a:rPr lang="it-IT" i="0" dirty="0" err="1"/>
-              <a:t>grid</a:t>
-            </a:r>
-            <a:r>
-              <a:rPr lang="it-IT" i="0" dirty="0"/>
-              <a:t> </a:t>
-            </a:r>
-            <a:r>
-              <a:rPr lang="it-IT" i="0" dirty="0" err="1"/>
-              <a:t>used</a:t>
-            </a:r>
-            <a:r>
-              <a:rPr lang="it-IT" i="0" dirty="0"/>
-              <a:t> for the </a:t>
+              <a:t>Grid</a:t>
+            </a:r>
+            <a:r>
+              <a:rPr lang="it-IT" i="0" dirty="0"/>
+              <a:t> used for the </a:t>
             </a:r>
             <a:r>
               <a:rPr lang="it-IT" i="0" dirty="0" err="1"/>
@@ -11235,10 +11195,7 @@
               <a:rPr lang="it-IT" i="0" dirty="0" err="1"/>
               <a:t>components</a:t>
             </a:r>
-            <a:r>
-              <a:rPr lang="it-IT" i="0" dirty="0"/>
-              <a:t>.</a:t>
-            </a:r>
+            <a:endParaRPr lang="it-IT" i="0" dirty="0"/>
           </a:p>
           <a:p>
             <a:pPr lvl="2"/>
@@ -11268,15 +11225,7 @@
             </a:r>
             <a:r>
               <a:rPr lang="it-IT" i="0" dirty="0"/>
-              <a:t> </a:t>
-            </a:r>
-            <a:r>
-              <a:rPr lang="it-IT" i="0" dirty="0" err="1"/>
-              <a:t>they</a:t>
-            </a:r>
-            <a:r>
-              <a:rPr lang="it-IT" i="0" dirty="0"/>
-              <a:t> </a:t>
+              <a:t> they </a:t>
             </a:r>
             <a:r>
               <a:rPr lang="it-IT" i="0" dirty="0" err="1"/>
@@ -11316,7 +11265,7 @@
             </a:r>
             <a:r>
               <a:rPr lang="it-IT" i="0" dirty="0"/>
-              <a:t> of information.</a:t>
+              <a:t> of information</a:t>
             </a:r>
           </a:p>
           <a:p>
@@ -11452,15 +11401,7 @@
             </a:r>
             <a:r>
               <a:rPr lang="it-IT" dirty="0"/>
-              <a:t> </a:t>
-            </a:r>
-            <a:r>
-              <a:rPr lang="it-IT" dirty="0" err="1"/>
-              <a:t>when</a:t>
-            </a:r>
-            <a:r>
-              <a:rPr lang="it-IT" dirty="0"/>
-              <a:t> building </a:t>
+              <a:t> when building </a:t>
             </a:r>
             <a:r>
               <a:rPr lang="it-IT" dirty="0" err="1"/>
@@ -11476,15 +11417,7 @@
             </a:r>
             <a:r>
               <a:rPr lang="it-IT" dirty="0"/>
-              <a:t> </a:t>
-            </a:r>
-            <a:r>
-              <a:rPr lang="it-IT" dirty="0" err="1"/>
-              <a:t>tree</a:t>
-            </a:r>
-            <a:r>
-              <a:rPr lang="it-IT" dirty="0"/>
-              <a:t> to create an </a:t>
+              <a:t> tree to create an </a:t>
             </a:r>
             <a:r>
               <a:rPr lang="it-IT" dirty="0" err="1"/>
@@ -11492,15 +11425,7 @@
             </a:r>
             <a:r>
               <a:rPr lang="it-IT" dirty="0"/>
-              <a:t> </a:t>
-            </a:r>
-            <a:r>
-              <a:rPr lang="it-IT" dirty="0" err="1"/>
-              <a:t>forest</a:t>
-            </a:r>
-            <a:r>
-              <a:rPr lang="it-IT" dirty="0"/>
-              <a:t> of </a:t>
+              <a:t> forest of </a:t>
             </a:r>
             <a:r>
               <a:rPr lang="it-IT" dirty="0" err="1"/>
@@ -11524,23 +11449,7 @@
             </a:r>
             <a:r>
               <a:rPr lang="it-IT" dirty="0"/>
-              <a:t> </a:t>
-            </a:r>
-            <a:r>
-              <a:rPr lang="it-IT" dirty="0" err="1"/>
-              <a:t>is</a:t>
-            </a:r>
-            <a:r>
-              <a:rPr lang="it-IT" dirty="0"/>
-              <a:t> more accurate of </a:t>
-            </a:r>
-            <a:r>
-              <a:rPr lang="it-IT" dirty="0" err="1"/>
-              <a:t>any</a:t>
-            </a:r>
-            <a:r>
-              <a:rPr lang="it-IT" dirty="0"/>
-              <a:t> </a:t>
+              <a:t> is more accurate of any </a:t>
             </a:r>
             <a:r>
               <a:rPr lang="it-IT" dirty="0" err="1"/>
@@ -11548,15 +11457,7 @@
             </a:r>
             <a:r>
               <a:rPr lang="it-IT" dirty="0"/>
-              <a:t> </a:t>
-            </a:r>
-            <a:r>
-              <a:rPr lang="it-IT" dirty="0" err="1"/>
-              <a:t>tree</a:t>
-            </a:r>
-            <a:r>
-              <a:rPr lang="it-IT" dirty="0"/>
-              <a:t>.</a:t>
+              <a:t> tree</a:t>
             </a:r>
           </a:p>
           <a:p>
@@ -11616,11 +11517,11 @@
           <a:p>
             <a:pPr lvl="2"/>
             <a:r>
-              <a:rPr lang="it-IT" dirty="0"/>
+              <a:rPr lang="it-IT" i="1" dirty="0"/>
               <a:t>Max </a:t>
             </a:r>
             <a:r>
-              <a:rPr lang="it-IT" dirty="0" err="1"/>
+              <a:rPr lang="it-IT" i="1" dirty="0" err="1"/>
               <a:t>Bins</a:t>
             </a:r>
             <a:r>
@@ -11826,7 +11727,7 @@
         </p:spPr>
         <p:txBody>
           <a:bodyPr>
-            <a:normAutofit fontScale="92500" lnSpcReduction="10000"/>
+            <a:normAutofit fontScale="92500" lnSpcReduction="20000"/>
           </a:bodyPr>
           <a:lstStyle/>
           <a:p>
@@ -11860,31 +11761,15 @@
             </a:r>
             <a:r>
               <a:rPr lang="it-IT" i="0" baseline="0" dirty="0"/>
-              <a:t> </a:t>
+              <a:t> that models </a:t>
             </a:r>
             <a:r>
               <a:rPr lang="it-IT" i="0" baseline="0" dirty="0" err="1"/>
-              <a:t>that</a:t>
+              <a:t>decisions</a:t>
             </a:r>
             <a:r>
               <a:rPr lang="it-IT" i="0" baseline="0" dirty="0"/>
-              <a:t> models </a:t>
-            </a:r>
-            <a:r>
-              <a:rPr lang="it-IT" i="0" baseline="0" dirty="0" err="1"/>
-              <a:t>decision</a:t>
-            </a:r>
-            <a:r>
-              <a:rPr lang="it-IT" i="0" baseline="0" dirty="0"/>
-              <a:t> and </a:t>
-            </a:r>
-            <a:r>
-              <a:rPr lang="it-IT" i="0" baseline="0" dirty="0" err="1"/>
-              <a:t>their</a:t>
-            </a:r>
-            <a:r>
-              <a:rPr lang="it-IT" i="0" baseline="0" dirty="0"/>
-              <a:t> </a:t>
+              <a:t> and their </a:t>
             </a:r>
             <a:r>
               <a:rPr lang="it-IT" i="0" baseline="0" dirty="0" err="1"/>
@@ -11892,23 +11777,7 @@
             </a:r>
             <a:r>
               <a:rPr lang="it-IT" i="0" baseline="0" dirty="0"/>
-              <a:t> </a:t>
-            </a:r>
-            <a:r>
-              <a:rPr lang="it-IT" i="0" baseline="0" dirty="0" err="1"/>
-              <a:t>as</a:t>
-            </a:r>
-            <a:r>
-              <a:rPr lang="it-IT" i="0" baseline="0" dirty="0"/>
-              <a:t> a </a:t>
-            </a:r>
-            <a:r>
-              <a:rPr lang="it-IT" i="0" baseline="0" dirty="0" err="1"/>
-              <a:t>tree</a:t>
-            </a:r>
-            <a:r>
-              <a:rPr lang="it-IT" i="0" baseline="0" dirty="0"/>
-              <a:t>-like </a:t>
+              <a:t> as a tree-like </a:t>
             </a:r>
             <a:r>
               <a:rPr lang="it-IT" i="0" baseline="0" dirty="0" err="1"/>
@@ -12076,23 +11945,7 @@
             <a:pPr lvl="1"/>
             <a:r>
               <a:rPr lang="it-IT" i="0" dirty="0"/>
-              <a:t>GBT </a:t>
-            </a:r>
-            <a:r>
-              <a:rPr lang="it-IT" i="0" dirty="0" err="1"/>
-              <a:t>is</a:t>
-            </a:r>
-            <a:r>
-              <a:rPr lang="it-IT" i="0" dirty="0"/>
-              <a:t> an ensemble ML technique </a:t>
-            </a:r>
-            <a:r>
-              <a:rPr lang="it-IT" i="0" dirty="0" err="1"/>
-              <a:t>that</a:t>
-            </a:r>
-            <a:r>
-              <a:rPr lang="it-IT" i="0" dirty="0"/>
-              <a:t> build a </a:t>
+              <a:t>GBT is an ensemble ML technique that builds a </a:t>
             </a:r>
             <a:r>
               <a:rPr lang="it-IT" i="0" dirty="0" err="1"/>
@@ -12135,19 +11988,59 @@
             </a:r>
             <a:r>
               <a:rPr lang="it-IT" i="0" dirty="0"/>
-              <a:t> </a:t>
-            </a:r>
-            <a:r>
-              <a:rPr lang="it-IT" i="0" dirty="0" err="1"/>
-              <a:t>tree</a:t>
-            </a:r>
-            <a:r>
-              <a:rPr lang="it-IT" i="0" dirty="0"/>
-              <a:t> </a:t>
-            </a:r>
-            <a:r>
-              <a:rPr lang="it-IT" i="0" dirty="0" err="1"/>
-              <a:t>tries</a:t>
+              <a:t> tree tries to </a:t>
+            </a:r>
+            <a:r>
+              <a:rPr lang="it-IT" i="0" dirty="0" err="1"/>
+              <a:t>correct</a:t>
+            </a:r>
+            <a:r>
+              <a:rPr lang="it-IT" i="0" dirty="0"/>
+              <a:t> the </a:t>
+            </a:r>
+            <a:r>
+              <a:rPr lang="it-IT" i="0" dirty="0" err="1"/>
+              <a:t>errors</a:t>
+            </a:r>
+            <a:r>
+              <a:rPr lang="it-IT" i="0" dirty="0"/>
+              <a:t> of its </a:t>
+            </a:r>
+            <a:r>
+              <a:rPr lang="it-IT" i="0" dirty="0" err="1"/>
+              <a:t>predecessor</a:t>
+            </a:r>
+            <a:endParaRPr lang="it-IT" i="0" dirty="0"/>
+          </a:p>
+          <a:p>
+            <a:pPr lvl="1"/>
+            <a:r>
+              <a:rPr lang="it-IT" i="0" dirty="0" err="1"/>
+              <a:t>Utilizes</a:t>
+            </a:r>
+            <a:r>
+              <a:rPr lang="it-IT" i="0" dirty="0"/>
+              <a:t> the </a:t>
+            </a:r>
+            <a:r>
+              <a:rPr lang="it-IT" i="0" dirty="0" err="1"/>
+              <a:t>Gradient</a:t>
+            </a:r>
+            <a:r>
+              <a:rPr lang="it-IT" i="0" dirty="0"/>
+              <a:t> </a:t>
+            </a:r>
+            <a:r>
+              <a:rPr lang="it-IT" i="0" dirty="0" err="1"/>
+              <a:t>Descent</a:t>
+            </a:r>
+            <a:r>
+              <a:rPr lang="it-IT" i="0" dirty="0"/>
+              <a:t> </a:t>
+            </a:r>
+            <a:r>
+              <a:rPr lang="it-IT" i="0" dirty="0" err="1"/>
+              <a:t>algorithm</a:t>
             </a:r>
             <a:r>
               <a:rPr lang="it-IT" i="0" dirty="0"/>
@@ -12155,7 +12048,7 @@
             </a:r>
             <a:r>
               <a:rPr lang="it-IT" i="0" dirty="0" err="1"/>
-              <a:t>correct</a:t>
+              <a:t>minimize</a:t>
             </a:r>
             <a:r>
               <a:rPr lang="it-IT" i="0" dirty="0"/>
@@ -12163,23 +12056,63 @@
             </a:r>
             <a:r>
               <a:rPr lang="it-IT" i="0" dirty="0" err="1"/>
-              <a:t>errors</a:t>
-            </a:r>
-            <a:r>
-              <a:rPr lang="it-IT" i="0" dirty="0"/>
-              <a:t> of </a:t>
-            </a:r>
-            <a:r>
-              <a:rPr lang="it-IT" i="0" dirty="0" err="1"/>
-              <a:t>its</a:t>
-            </a:r>
-            <a:r>
-              <a:rPr lang="it-IT" i="0" dirty="0"/>
-              <a:t> </a:t>
-            </a:r>
-            <a:r>
-              <a:rPr lang="it-IT" i="0" dirty="0" err="1"/>
-              <a:t>predecessor</a:t>
+              <a:t>loss</a:t>
+            </a:r>
+            <a:r>
+              <a:rPr lang="it-IT" i="0" dirty="0"/>
+              <a:t> </a:t>
+            </a:r>
+            <a:r>
+              <a:rPr lang="it-IT" i="0" dirty="0" err="1"/>
+              <a:t>function</a:t>
+            </a:r>
+            <a:r>
+              <a:rPr lang="it-IT" i="0" dirty="0"/>
+              <a:t>, </a:t>
+            </a:r>
+            <a:r>
+              <a:rPr lang="it-IT" i="0" dirty="0" err="1"/>
+              <a:t>improving</a:t>
+            </a:r>
+            <a:r>
+              <a:rPr lang="it-IT" i="0" dirty="0"/>
+              <a:t> </a:t>
+            </a:r>
+            <a:r>
+              <a:rPr lang="it-IT" i="0" dirty="0" err="1"/>
+              <a:t>prediction</a:t>
+            </a:r>
+            <a:r>
+              <a:rPr lang="it-IT" i="0" dirty="0"/>
+              <a:t> </a:t>
+            </a:r>
+            <a:r>
+              <a:rPr lang="it-IT" i="0" dirty="0" err="1"/>
+              <a:t>accuracy</a:t>
+            </a:r>
+            <a:r>
+              <a:rPr lang="it-IT" i="0" dirty="0"/>
+              <a:t> </a:t>
+            </a:r>
+            <a:r>
+              <a:rPr lang="it-IT" i="0" dirty="0" err="1"/>
+              <a:t>within</a:t>
+            </a:r>
+            <a:r>
+              <a:rPr lang="it-IT" i="0" dirty="0"/>
+              <a:t> </a:t>
+            </a:r>
+            <a:r>
+              <a:rPr lang="it-IT" i="0" dirty="0" err="1"/>
+              <a:t>each</a:t>
+            </a:r>
+            <a:r>
+              <a:rPr lang="it-IT" i="0" dirty="0"/>
+              <a:t> </a:t>
+            </a:r>
+            <a:r>
+              <a:rPr lang="it-IT" i="0" dirty="0" err="1"/>
+              <a:t>iteration</a:t>
             </a:r>
             <a:r>
               <a:rPr lang="it-IT" i="0" dirty="0"/>
@@ -12190,113 +12123,6 @@
             <a:pPr lvl="1"/>
             <a:r>
               <a:rPr lang="it-IT" i="0" dirty="0" err="1"/>
-              <a:t>Utilizes</a:t>
-            </a:r>
-            <a:r>
-              <a:rPr lang="it-IT" i="0" dirty="0"/>
-              <a:t> the </a:t>
-            </a:r>
-            <a:r>
-              <a:rPr lang="it-IT" i="0" dirty="0" err="1"/>
-              <a:t>gradient</a:t>
-            </a:r>
-            <a:r>
-              <a:rPr lang="it-IT" i="0" dirty="0"/>
-              <a:t> </a:t>
-            </a:r>
-            <a:r>
-              <a:rPr lang="it-IT" i="0" dirty="0" err="1"/>
-              <a:t>descent</a:t>
-            </a:r>
-            <a:r>
-              <a:rPr lang="it-IT" i="0" dirty="0"/>
-              <a:t> </a:t>
-            </a:r>
-            <a:r>
-              <a:rPr lang="it-IT" i="0" dirty="0" err="1"/>
-              <a:t>algorithm</a:t>
-            </a:r>
-            <a:r>
-              <a:rPr lang="it-IT" i="0" dirty="0"/>
-              <a:t> to </a:t>
-            </a:r>
-            <a:r>
-              <a:rPr lang="it-IT" i="0" dirty="0" err="1"/>
-              <a:t>minimize</a:t>
-            </a:r>
-            <a:r>
-              <a:rPr lang="it-IT" i="0" dirty="0"/>
-              <a:t> the </a:t>
-            </a:r>
-            <a:r>
-              <a:rPr lang="it-IT" i="0" dirty="0" err="1"/>
-              <a:t>loss</a:t>
-            </a:r>
-            <a:r>
-              <a:rPr lang="it-IT" i="0" dirty="0"/>
-              <a:t> </a:t>
-            </a:r>
-            <a:r>
-              <a:rPr lang="it-IT" i="0" dirty="0" err="1"/>
-              <a:t>function</a:t>
-            </a:r>
-            <a:r>
-              <a:rPr lang="it-IT" i="0" dirty="0"/>
-              <a:t>, </a:t>
-            </a:r>
-            <a:r>
-              <a:rPr lang="it-IT" i="0" dirty="0" err="1"/>
-              <a:t>improving</a:t>
-            </a:r>
-            <a:r>
-              <a:rPr lang="it-IT" i="0" dirty="0"/>
-              <a:t> </a:t>
-            </a:r>
-            <a:r>
-              <a:rPr lang="it-IT" i="0" dirty="0" err="1"/>
-              <a:t>prediction</a:t>
-            </a:r>
-            <a:r>
-              <a:rPr lang="it-IT" i="0" dirty="0"/>
-              <a:t> </a:t>
-            </a:r>
-            <a:r>
-              <a:rPr lang="it-IT" i="0" dirty="0" err="1"/>
-              <a:t>accuracy</a:t>
-            </a:r>
-            <a:r>
-              <a:rPr lang="it-IT" i="0" dirty="0"/>
-              <a:t> </a:t>
-            </a:r>
-            <a:r>
-              <a:rPr lang="it-IT" i="0" dirty="0" err="1"/>
-              <a:t>within</a:t>
-            </a:r>
-            <a:r>
-              <a:rPr lang="it-IT" i="0" dirty="0"/>
-              <a:t> </a:t>
-            </a:r>
-            <a:r>
-              <a:rPr lang="it-IT" i="0" dirty="0" err="1"/>
-              <a:t>each</a:t>
-            </a:r>
-            <a:r>
-              <a:rPr lang="it-IT" i="0" dirty="0"/>
-              <a:t> </a:t>
-            </a:r>
-            <a:r>
-              <a:rPr lang="it-IT" i="0" dirty="0" err="1"/>
-              <a:t>iteration</a:t>
-            </a:r>
-            <a:r>
-              <a:rPr lang="it-IT" i="0" dirty="0"/>
-              <a:t>.</a:t>
-            </a:r>
-          </a:p>
-          <a:p>
-            <a:pPr lvl="1"/>
-            <a:r>
-              <a:rPr lang="it-IT" i="0" dirty="0" err="1"/>
               <a:t>Tuned</a:t>
             </a:r>
             <a:r>
@@ -12313,7 +12139,7 @@
             </a:r>
             <a:r>
               <a:rPr lang="it-IT" i="0" dirty="0" err="1"/>
-              <a:t>hyper-params</a:t>
+              <a:t>hyper-parameters</a:t>
             </a:r>
             <a:r>
               <a:rPr lang="it-IT" i="0" dirty="0"/>
@@ -12321,11 +12147,11 @@
             </a:r>
             <a:r>
               <a:rPr lang="it-IT" i="0" dirty="0" err="1"/>
-              <a:t>Decision-Tree</a:t>
-            </a:r>
-            <a:r>
-              <a:rPr lang="it-IT" i="0" dirty="0"/>
-              <a:t>:</a:t>
+              <a:t>Decision</a:t>
+            </a:r>
+            <a:r>
+              <a:rPr lang="it-IT" i="0" dirty="0"/>
+              <a:t>-Tree:</a:t>
             </a:r>
           </a:p>
           <a:p>
@@ -12618,12 +12444,8 @@
           <a:p>
             <a:pPr lvl="2"/>
             <a:r>
-              <a:rPr lang="it-IT" dirty="0" err="1"/>
-              <a:t>It</a:t>
-            </a:r>
-            <a:r>
               <a:rPr lang="it-IT" dirty="0"/>
-              <a:t> </a:t>
+              <a:t>It </a:t>
             </a:r>
             <a:r>
               <a:rPr lang="it-IT" dirty="0" err="1"/>
@@ -12639,81 +12461,26 @@
             </a:r>
             <a:r>
               <a:rPr lang="it-IT" dirty="0"/>
-              <a:t> per class.</a:t>
+              <a:t> per class</a:t>
             </a:r>
           </a:p>
           <a:p>
             <a:pPr lvl="2"/>
             <a:r>
               <a:rPr lang="it-IT" i="0" dirty="0"/>
-              <a:t>The samples of </a:t>
-            </a:r>
-            <a:r>
-              <a:rPr lang="it-IT" i="0" dirty="0" err="1"/>
-              <a:t>that</a:t>
-            </a:r>
-            <a:r>
-              <a:rPr lang="it-IT" i="0" dirty="0"/>
-              <a:t> class </a:t>
-            </a:r>
-            <a:r>
-              <a:rPr lang="it-IT" i="0" dirty="0" err="1"/>
-              <a:t>as</a:t>
-            </a:r>
-            <a:r>
-              <a:rPr lang="it-IT" i="0" dirty="0"/>
-              <a:t> positive samples and </a:t>
-            </a:r>
-            <a:r>
-              <a:rPr lang="it-IT" i="0" dirty="0" err="1"/>
-              <a:t>all</a:t>
-            </a:r>
-            <a:r>
-              <a:rPr lang="it-IT" i="0" dirty="0"/>
-              <a:t> </a:t>
-            </a:r>
-            <a:r>
-              <a:rPr lang="it-IT" i="0" dirty="0" err="1"/>
-              <a:t>other</a:t>
-            </a:r>
-            <a:r>
-              <a:rPr lang="it-IT" i="0" dirty="0"/>
-              <a:t> </a:t>
-            </a:r>
-            <a:r>
-              <a:rPr lang="it-IT" i="0" dirty="0" err="1"/>
-              <a:t>as</a:t>
-            </a:r>
-            <a:r>
-              <a:rPr lang="it-IT" i="0" dirty="0"/>
-              <a:t> </a:t>
+              <a:t>The samples of that class as positive samples and all other ones as </a:t>
             </a:r>
             <a:r>
               <a:rPr lang="it-IT" i="0" dirty="0" err="1"/>
               <a:t>negatives</a:t>
             </a:r>
-            <a:r>
-              <a:rPr lang="it-IT" i="0" dirty="0"/>
-              <a:t>.</a:t>
-            </a:r>
+            <a:endParaRPr lang="it-IT" i="0" dirty="0"/>
           </a:p>
           <a:p>
             <a:pPr lvl="1"/>
             <a:r>
-              <a:rPr lang="it-IT" i="0" dirty="0" err="1"/>
-              <a:t>This</a:t>
-            </a:r>
-            <a:r>
-              <a:rPr lang="it-IT" i="0" dirty="0"/>
-              <a:t> </a:t>
-            </a:r>
-            <a:r>
-              <a:rPr lang="it-IT" i="0" dirty="0" err="1"/>
-              <a:t>approach</a:t>
-            </a:r>
-            <a:r>
-              <a:rPr lang="it-IT" i="0" dirty="0"/>
-              <a:t> </a:t>
+              <a:rPr lang="it-IT" i="0" dirty="0"/>
+              <a:t>This approach </a:t>
             </a:r>
             <a:r>
               <a:rPr lang="it-IT" i="0" dirty="0" err="1"/>
@@ -12737,15 +12504,7 @@
             </a:r>
             <a:r>
               <a:rPr lang="it-IT" i="0" dirty="0"/>
-              <a:t> </a:t>
-            </a:r>
-            <a:r>
-              <a:rPr lang="it-IT" i="0" dirty="0" err="1"/>
-              <a:t>into</a:t>
-            </a:r>
-            <a:r>
-              <a:rPr lang="it-IT" i="0" dirty="0"/>
-              <a:t> multiple </a:t>
+              <a:t> into multiple </a:t>
             </a:r>
             <a:r>
               <a:rPr lang="it-IT" i="0" dirty="0" err="1"/>
@@ -12783,12 +12542,8 @@
           <a:p>
             <a:pPr lvl="1"/>
             <a:r>
-              <a:rPr lang="it-IT" i="0" dirty="0" err="1"/>
-              <a:t>This</a:t>
-            </a:r>
-            <a:r>
-              <a:rPr lang="it-IT" i="0" dirty="0"/>
-              <a:t> </a:t>
+              <a:rPr lang="it-IT" i="0" dirty="0"/>
+              <a:t>This </a:t>
             </a:r>
             <a:r>
               <a:rPr lang="it-IT" i="0" dirty="0" err="1"/>
@@ -12796,31 +12551,7 @@
             </a:r>
             <a:r>
               <a:rPr lang="it-IT" i="0" dirty="0"/>
-              <a:t> </a:t>
-            </a:r>
-            <a:r>
-              <a:rPr lang="it-IT" i="0" dirty="0" err="1"/>
-              <a:t>is</a:t>
-            </a:r>
-            <a:r>
-              <a:rPr lang="it-IT" i="0" dirty="0"/>
-              <a:t> </a:t>
-            </a:r>
-            <a:r>
-              <a:rPr lang="it-IT" i="0" dirty="0" err="1"/>
-              <a:t>used</a:t>
-            </a:r>
-            <a:r>
-              <a:rPr lang="it-IT" i="0" dirty="0"/>
-              <a:t> </a:t>
-            </a:r>
-            <a:r>
-              <a:rPr lang="it-IT" i="0" dirty="0" err="1"/>
-              <a:t>as</a:t>
-            </a:r>
-            <a:r>
-              <a:rPr lang="it-IT" i="0" dirty="0"/>
-              <a:t> a control of </a:t>
+              <a:t> is used as a control of </a:t>
             </a:r>
             <a:r>
               <a:rPr lang="it-IT" i="0" dirty="0" err="1"/>
@@ -12828,15 +12559,7 @@
             </a:r>
             <a:r>
               <a:rPr lang="it-IT" i="0" dirty="0"/>
-              <a:t> of the </a:t>
-            </a:r>
-            <a:r>
-              <a:rPr lang="it-IT" i="0" dirty="0" err="1"/>
-              <a:t>other</a:t>
-            </a:r>
-            <a:r>
-              <a:rPr lang="it-IT" i="0" dirty="0"/>
-              <a:t> </a:t>
+              <a:t> of the other </a:t>
             </a:r>
             <a:r>
               <a:rPr lang="it-IT" i="0" dirty="0" err="1"/>

--- a/BDA-Presentation.pptx
+++ b/BDA-Presentation.pptx
@@ -15,12 +15,14 @@
     <p:sldId id="265" r:id="rId9"/>
     <p:sldId id="266" r:id="rId10"/>
     <p:sldId id="267" r:id="rId11"/>
-    <p:sldId id="269" r:id="rId12"/>
-    <p:sldId id="270" r:id="rId13"/>
-    <p:sldId id="271" r:id="rId14"/>
-    <p:sldId id="272" r:id="rId15"/>
-    <p:sldId id="274" r:id="rId16"/>
-    <p:sldId id="275" r:id="rId17"/>
+    <p:sldId id="276" r:id="rId12"/>
+    <p:sldId id="269" r:id="rId13"/>
+    <p:sldId id="270" r:id="rId14"/>
+    <p:sldId id="271" r:id="rId15"/>
+    <p:sldId id="272" r:id="rId16"/>
+    <p:sldId id="277" r:id="rId17"/>
+    <p:sldId id="274" r:id="rId18"/>
+    <p:sldId id="275" r:id="rId19"/>
   </p:sldIdLst>
   <p:sldSz cx="12192000" cy="6858000"/>
   <p:notesSz cx="6858000" cy="9144000"/>
@@ -491,7 +493,7 @@
             <a:fld id="{87DE6118-2437-4B30-8E3C-4D2BE6020583}" type="datetimeFigureOut">
               <a:rPr lang="en-US" smtClean="0"/>
               <a:pPr/>
-              <a:t>1/30/2024</a:t>
+              <a:t>1/30/24</a:t>
             </a:fld>
             <a:endParaRPr lang="en-US" dirty="0"/>
           </a:p>
@@ -822,7 +824,7 @@
           <a:p>
             <a:fld id="{87DE6118-2437-4B30-8E3C-4D2BE6020583}" type="datetimeFigureOut">
               <a:rPr lang="en-US" smtClean="0"/>
-              <a:t>1/30/2024</a:t>
+              <a:t>1/30/24</a:t>
             </a:fld>
             <a:endParaRPr lang="en-US" dirty="0"/>
           </a:p>
@@ -1003,7 +1005,7 @@
             <a:fld id="{87DE6118-2437-4B30-8E3C-4D2BE6020583}" type="datetimeFigureOut">
               <a:rPr lang="en-US" smtClean="0"/>
               <a:pPr/>
-              <a:t>1/30/2024</a:t>
+              <a:t>1/30/24</a:t>
             </a:fld>
             <a:endParaRPr lang="en-US" dirty="0"/>
           </a:p>
@@ -1174,7 +1176,7 @@
           <a:p>
             <a:fld id="{87DE6118-2437-4B30-8E3C-4D2BE6020583}" type="datetimeFigureOut">
               <a:rPr lang="en-US" smtClean="0"/>
-              <a:t>1/30/2024</a:t>
+              <a:t>1/30/24</a:t>
             </a:fld>
             <a:endParaRPr lang="en-US" dirty="0"/>
           </a:p>
@@ -1452,7 +1454,7 @@
             <a:fld id="{87DE6118-2437-4B30-8E3C-4D2BE6020583}" type="datetimeFigureOut">
               <a:rPr lang="en-US" smtClean="0"/>
               <a:pPr/>
-              <a:t>1/30/2024</a:t>
+              <a:t>1/30/24</a:t>
             </a:fld>
             <a:endParaRPr lang="en-US" dirty="0"/>
           </a:p>
@@ -1847,7 +1849,7 @@
           <a:p>
             <a:fld id="{87DE6118-2437-4B30-8E3C-4D2BE6020583}" type="datetimeFigureOut">
               <a:rPr lang="en-US" smtClean="0"/>
-              <a:t>1/30/2024</a:t>
+              <a:t>1/30/24</a:t>
             </a:fld>
             <a:endParaRPr lang="en-US" dirty="0"/>
           </a:p>
@@ -2324,7 +2326,7 @@
           <a:p>
             <a:fld id="{87DE6118-2437-4B30-8E3C-4D2BE6020583}" type="datetimeFigureOut">
               <a:rPr lang="en-US" smtClean="0"/>
-              <a:t>1/30/2024</a:t>
+              <a:t>1/30/24</a:t>
             </a:fld>
             <a:endParaRPr lang="en-US" dirty="0"/>
           </a:p>
@@ -2442,7 +2444,7 @@
           <a:p>
             <a:fld id="{87DE6118-2437-4B30-8E3C-4D2BE6020583}" type="datetimeFigureOut">
               <a:rPr lang="en-US" smtClean="0"/>
-              <a:t>1/30/2024</a:t>
+              <a:t>1/30/24</a:t>
             </a:fld>
             <a:endParaRPr lang="en-US" dirty="0"/>
           </a:p>
@@ -2537,7 +2539,7 @@
           <a:p>
             <a:fld id="{87DE6118-2437-4B30-8E3C-4D2BE6020583}" type="datetimeFigureOut">
               <a:rPr lang="en-US" smtClean="0"/>
-              <a:t>1/30/2024</a:t>
+              <a:t>1/30/24</a:t>
             </a:fld>
             <a:endParaRPr lang="en-US" dirty="0"/>
           </a:p>
@@ -2884,7 +2886,7 @@
             <a:fld id="{87DE6118-2437-4B30-8E3C-4D2BE6020583}" type="datetimeFigureOut">
               <a:rPr lang="en-US" smtClean="0"/>
               <a:pPr/>
-              <a:t>1/30/2024</a:t>
+              <a:t>1/30/24</a:t>
             </a:fld>
             <a:endParaRPr lang="en-US" dirty="0"/>
           </a:p>
@@ -3274,7 +3276,7 @@
             <a:fld id="{87DE6118-2437-4B30-8E3C-4D2BE6020583}" type="datetimeFigureOut">
               <a:rPr lang="en-US" smtClean="0"/>
               <a:pPr/>
-              <a:t>1/30/2024</a:t>
+              <a:t>1/30/24</a:t>
             </a:fld>
             <a:endParaRPr lang="en-US" dirty="0"/>
           </a:p>
@@ -3554,7 +3556,7 @@
             <a:fld id="{87DE6118-2437-4B30-8E3C-4D2BE6020583}" type="datetimeFigureOut">
               <a:rPr lang="en-US" smtClean="0"/>
               <a:pPr/>
-              <a:t>1/30/2024</a:t>
+              <a:t>1/30/24</a:t>
             </a:fld>
             <a:endParaRPr lang="en-US" dirty="0"/>
           </a:p>
@@ -4464,7 +4466,7 @@
           <p:nvPr>
             <p:extLst>
               <p:ext uri="{D42A27DB-BD31-4B8C-83A1-F6EECF244321}">
-                <p14:modId xmlns:p14="http://schemas.microsoft.com/office/powerpoint/2010/main" val="2324128070"/>
+                <p14:modId xmlns:p14="http://schemas.microsoft.com/office/powerpoint/2010/main" val="3978856687"/>
               </p:ext>
             </p:extLst>
           </p:nvPr>
@@ -4711,7 +4713,7 @@
                           <a:ea typeface="+mn-ea"/>
                           <a:cs typeface="+mn-cs"/>
                         </a:rPr>
-                        <a:t>0.691132</a:t>
+                        <a:t>0.691134</a:t>
                       </a:r>
                       <a:endParaRPr lang="it-IT" dirty="0"/>
                     </a:p>
@@ -4971,7 +4973,7 @@
                           <a:ea typeface="+mn-ea"/>
                           <a:cs typeface="+mn-cs"/>
                         </a:rPr>
-                        <a:t>0.631069</a:t>
+                        <a:t>0.63108</a:t>
                       </a:r>
                       <a:endParaRPr lang="it-IT" dirty="0"/>
                     </a:p>
@@ -5088,7 +5090,7 @@
                           <a:ea typeface="+mn-ea"/>
                           <a:cs typeface="+mn-cs"/>
                         </a:rPr>
-                        <a:t>0.997041</a:t>
+                        <a:t>0.997044</a:t>
                       </a:r>
                       <a:endParaRPr lang="it-IT" dirty="0"/>
                     </a:p>
@@ -5446,7 +5448,7 @@
                           <a:ea typeface="+mn-ea"/>
                           <a:cs typeface="+mn-cs"/>
                         </a:rPr>
-                        <a:t>0.691125</a:t>
+                        <a:t>0.691129</a:t>
                       </a:r>
                       <a:endParaRPr lang="it-IT" dirty="0"/>
                     </a:p>
@@ -5519,6 +5521,573 @@
         <p:cNvPr id="1" name="">
           <a:extLst>
             <a:ext uri="{FF2B5EF4-FFF2-40B4-BE49-F238E27FC236}">
+              <a16:creationId xmlns:a16="http://schemas.microsoft.com/office/drawing/2014/main" id="{10327BB4-F696-9B1B-A969-991ABCD10DCF}"/>
+            </a:ext>
+          </a:extLst>
+        </p:cNvPr>
+        <p:cNvGrpSpPr/>
+        <p:nvPr/>
+      </p:nvGrpSpPr>
+      <p:grpSpPr>
+        <a:xfrm>
+          <a:off x="0" y="0"/>
+          <a:ext cx="0" cy="0"/>
+          <a:chOff x="0" y="0"/>
+          <a:chExt cx="0" cy="0"/>
+        </a:xfrm>
+      </p:grpSpPr>
+      <p:sp>
+        <p:nvSpPr>
+          <p:cNvPr id="2" name="Titolo 1">
+            <a:extLst>
+              <a:ext uri="{FF2B5EF4-FFF2-40B4-BE49-F238E27FC236}">
+                <a16:creationId xmlns:a16="http://schemas.microsoft.com/office/drawing/2014/main" id="{26138736-D1CD-2E4D-FB43-5E63A5C3E8A6}"/>
+              </a:ext>
+            </a:extLst>
+          </p:cNvPr>
+          <p:cNvSpPr>
+            <a:spLocks noGrp="1"/>
+          </p:cNvSpPr>
+          <p:nvPr>
+            <p:ph type="title"/>
+          </p:nvPr>
+        </p:nvSpPr>
+        <p:spPr/>
+        <p:txBody>
+          <a:bodyPr/>
+          <a:lstStyle/>
+          <a:p>
+            <a:r>
+              <a:rPr lang="it-IT" dirty="0" err="1"/>
+              <a:t>Results</a:t>
+            </a:r>
+            <a:br>
+              <a:rPr lang="it-IT" dirty="0"/>
+            </a:br>
+            <a:r>
+              <a:rPr lang="it-IT" sz="2000" dirty="0"/>
+              <a:t>Evaluation of the models</a:t>
+            </a:r>
+          </a:p>
+        </p:txBody>
+      </p:sp>
+      <p:cxnSp>
+        <p:nvCxnSpPr>
+          <p:cNvPr id="4" name="Connettore 1 3">
+            <a:extLst>
+              <a:ext uri="{FF2B5EF4-FFF2-40B4-BE49-F238E27FC236}">
+                <a16:creationId xmlns:a16="http://schemas.microsoft.com/office/drawing/2014/main" id="{FA0E60AF-5022-E037-8761-B55B27F48814}"/>
+              </a:ext>
+            </a:extLst>
+          </p:cNvPr>
+          <p:cNvCxnSpPr>
+            <a:cxnSpLocks/>
+          </p:cNvCxnSpPr>
+          <p:nvPr/>
+        </p:nvCxnSpPr>
+        <p:spPr>
+          <a:xfrm>
+            <a:off x="1473200" y="1625600"/>
+            <a:ext cx="9499600" cy="0"/>
+          </a:xfrm>
+          <a:prstGeom prst="line">
+            <a:avLst/>
+          </a:prstGeom>
+        </p:spPr>
+        <p:style>
+          <a:lnRef idx="2">
+            <a:schemeClr val="accent1"/>
+          </a:lnRef>
+          <a:fillRef idx="0">
+            <a:schemeClr val="accent1"/>
+          </a:fillRef>
+          <a:effectRef idx="1">
+            <a:schemeClr val="accent1"/>
+          </a:effectRef>
+          <a:fontRef idx="minor">
+            <a:schemeClr val="tx1"/>
+          </a:fontRef>
+        </p:style>
+      </p:cxnSp>
+      <p:sp>
+        <p:nvSpPr>
+          <p:cNvPr id="3" name="Segnaposto contenuto 2">
+            <a:extLst>
+              <a:ext uri="{FF2B5EF4-FFF2-40B4-BE49-F238E27FC236}">
+                <a16:creationId xmlns:a16="http://schemas.microsoft.com/office/drawing/2014/main" id="{F42DCF68-6959-E4DB-3395-26755B9FB2D1}"/>
+              </a:ext>
+            </a:extLst>
+          </p:cNvPr>
+          <p:cNvSpPr>
+            <a:spLocks noGrp="1"/>
+          </p:cNvSpPr>
+          <p:nvPr>
+            <p:ph idx="1"/>
+          </p:nvPr>
+        </p:nvSpPr>
+        <p:spPr>
+          <a:xfrm>
+            <a:off x="767644" y="1882145"/>
+            <a:ext cx="6749221" cy="4975833"/>
+          </a:xfrm>
+        </p:spPr>
+        <p:txBody>
+          <a:bodyPr>
+            <a:noAutofit/>
+          </a:bodyPr>
+          <a:lstStyle/>
+          <a:p>
+            <a:pPr lvl="0"/>
+            <a:r>
+              <a:rPr lang="it-IT" sz="1600" b="1" i="0" dirty="0" err="1"/>
+              <a:t>Gaussian</a:t>
+            </a:r>
+            <a:r>
+              <a:rPr lang="it-IT" sz="1600" b="1" i="0" dirty="0"/>
+              <a:t> </a:t>
+            </a:r>
+            <a:r>
+              <a:rPr lang="it-IT" sz="1600" b="1" i="0" dirty="0" err="1"/>
+              <a:t>Naive</a:t>
+            </a:r>
+            <a:r>
+              <a:rPr lang="it-IT" sz="1600" b="1" i="0" dirty="0"/>
+              <a:t> </a:t>
+            </a:r>
+            <a:r>
+              <a:rPr lang="it-IT" sz="1600" b="1" i="0" dirty="0" err="1"/>
+              <a:t>Bayes</a:t>
+            </a:r>
+            <a:r>
+              <a:rPr lang="it-IT" sz="1600" i="0" dirty="0"/>
+              <a:t>:</a:t>
+            </a:r>
+          </a:p>
+          <a:p>
+            <a:pPr lvl="1"/>
+            <a:r>
+              <a:rPr lang="it-IT" sz="1600" i="0" dirty="0"/>
+              <a:t>Good </a:t>
+            </a:r>
+            <a:r>
+              <a:rPr lang="it-IT" sz="1600" i="0" dirty="0" err="1"/>
+              <a:t>at</a:t>
+            </a:r>
+            <a:r>
+              <a:rPr lang="it-IT" sz="1600" i="0" dirty="0"/>
+              <a:t> </a:t>
+            </a:r>
+            <a:r>
+              <a:rPr lang="it-IT" sz="1600" i="0" dirty="0" err="1"/>
+              <a:t>predicting</a:t>
+            </a:r>
+            <a:r>
+              <a:rPr lang="it-IT" sz="1600" i="0" dirty="0"/>
+              <a:t> the positive class, </a:t>
+            </a:r>
+            <a:r>
+              <a:rPr lang="it-IT" sz="1600" i="0" dirty="0" err="1"/>
+              <a:t>but</a:t>
+            </a:r>
+            <a:r>
+              <a:rPr lang="it-IT" sz="1600" i="0" dirty="0"/>
+              <a:t> with </a:t>
+            </a:r>
+            <a:r>
+              <a:rPr lang="it-IT" sz="1600" i="0" dirty="0" err="1"/>
+              <a:t>many</a:t>
+            </a:r>
+            <a:r>
+              <a:rPr lang="it-IT" sz="1600" i="0" dirty="0"/>
+              <a:t> false </a:t>
+            </a:r>
+            <a:r>
+              <a:rPr lang="it-IT" sz="1600" i="0" dirty="0" err="1"/>
+              <a:t>positives</a:t>
+            </a:r>
+            <a:r>
+              <a:rPr lang="it-IT" sz="1600" i="0" dirty="0"/>
+              <a:t>.</a:t>
+            </a:r>
+          </a:p>
+          <a:p>
+            <a:r>
+              <a:rPr lang="it-IT" sz="1600" b="1" i="0" dirty="0" err="1"/>
+              <a:t>Logistic</a:t>
+            </a:r>
+            <a:r>
+              <a:rPr lang="it-IT" sz="1600" b="1" i="0" dirty="0"/>
+              <a:t> </a:t>
+            </a:r>
+            <a:r>
+              <a:rPr lang="it-IT" sz="1600" b="1" i="0" dirty="0" err="1"/>
+              <a:t>Regression</a:t>
+            </a:r>
+            <a:r>
+              <a:rPr lang="it-IT" sz="1600" b="1" i="0" dirty="0"/>
+              <a:t>:</a:t>
+            </a:r>
+          </a:p>
+          <a:p>
+            <a:pPr lvl="1"/>
+            <a:r>
+              <a:rPr lang="it-IT" sz="1600" i="0" dirty="0"/>
+              <a:t>Strong </a:t>
+            </a:r>
+            <a:r>
+              <a:rPr lang="it-IT" sz="1600" i="0" dirty="0" err="1"/>
+              <a:t>at</a:t>
+            </a:r>
+            <a:r>
+              <a:rPr lang="it-IT" sz="1600" i="0" dirty="0"/>
+              <a:t> </a:t>
+            </a:r>
+            <a:r>
+              <a:rPr lang="it-IT" sz="1600" i="0" dirty="0" err="1"/>
+              <a:t>predicting</a:t>
+            </a:r>
+            <a:r>
+              <a:rPr lang="it-IT" sz="1600" i="0" dirty="0"/>
+              <a:t> </a:t>
+            </a:r>
+            <a:r>
+              <a:rPr lang="it-IT" sz="1600" i="0" dirty="0" err="1"/>
+              <a:t>both</a:t>
+            </a:r>
+            <a:r>
+              <a:rPr lang="it-IT" sz="1600" i="0" dirty="0"/>
+              <a:t> classes, </a:t>
+            </a:r>
+            <a:r>
+              <a:rPr lang="it-IT" sz="1600" i="0" dirty="0" err="1"/>
+              <a:t>but</a:t>
+            </a:r>
+            <a:r>
+              <a:rPr lang="it-IT" sz="1600" i="0" dirty="0"/>
+              <a:t> with </a:t>
+            </a:r>
+            <a:r>
+              <a:rPr lang="it-IT" sz="1600" i="0" dirty="0" err="1"/>
+              <a:t>many</a:t>
+            </a:r>
+            <a:r>
+              <a:rPr lang="it-IT" sz="1600" i="0" dirty="0"/>
+              <a:t> false </a:t>
+            </a:r>
+            <a:r>
+              <a:rPr lang="it-IT" sz="1600" i="0" dirty="0" err="1"/>
+              <a:t>positives</a:t>
+            </a:r>
+            <a:r>
+              <a:rPr lang="it-IT" sz="1600" i="0" dirty="0"/>
+              <a:t> and </a:t>
+            </a:r>
+            <a:r>
+              <a:rPr lang="it-IT" sz="1600" i="0" dirty="0" err="1"/>
+              <a:t>negatives</a:t>
+            </a:r>
+            <a:r>
+              <a:rPr lang="it-IT" sz="1600" i="0" dirty="0"/>
+              <a:t>.</a:t>
+            </a:r>
+          </a:p>
+          <a:p>
+            <a:r>
+              <a:rPr lang="it-IT" sz="1600" b="1" dirty="0" err="1"/>
+              <a:t>Logistic</a:t>
+            </a:r>
+            <a:r>
+              <a:rPr lang="it-IT" sz="1600" b="1" dirty="0"/>
+              <a:t> </a:t>
+            </a:r>
+            <a:r>
+              <a:rPr lang="it-IT" sz="1600" b="1" dirty="0" err="1"/>
+              <a:t>Regression</a:t>
+            </a:r>
+            <a:r>
+              <a:rPr lang="it-IT" sz="1600" b="1" dirty="0"/>
+              <a:t>-PCA:</a:t>
+            </a:r>
+          </a:p>
+          <a:p>
+            <a:pPr lvl="1"/>
+            <a:r>
+              <a:rPr lang="it-IT" sz="1600" i="0" dirty="0"/>
+              <a:t>Good </a:t>
+            </a:r>
+            <a:r>
+              <a:rPr lang="it-IT" sz="1600" i="0" dirty="0" err="1"/>
+              <a:t>at</a:t>
+            </a:r>
+            <a:r>
+              <a:rPr lang="it-IT" sz="1600" i="0" dirty="0"/>
+              <a:t> </a:t>
+            </a:r>
+            <a:r>
+              <a:rPr lang="it-IT" sz="1600" i="0" dirty="0" err="1"/>
+              <a:t>predicting</a:t>
+            </a:r>
+            <a:r>
+              <a:rPr lang="it-IT" sz="1600" i="0" dirty="0"/>
+              <a:t> the negative class </a:t>
+            </a:r>
+            <a:r>
+              <a:rPr lang="it-IT" sz="1600" i="0" dirty="0" err="1"/>
+              <a:t>but</a:t>
+            </a:r>
+            <a:r>
+              <a:rPr lang="it-IT" sz="1600" i="0" dirty="0"/>
+              <a:t> with a </a:t>
+            </a:r>
+            <a:r>
+              <a:rPr lang="it-IT" sz="1600" i="0" dirty="0" err="1"/>
+              <a:t>lot</a:t>
+            </a:r>
+            <a:r>
+              <a:rPr lang="it-IT" sz="1600" i="0" dirty="0"/>
+              <a:t> of false </a:t>
+            </a:r>
+            <a:r>
+              <a:rPr lang="it-IT" sz="1600" i="0" dirty="0" err="1"/>
+              <a:t>negatives</a:t>
+            </a:r>
+            <a:r>
+              <a:rPr lang="it-IT" sz="1600" i="0" dirty="0"/>
+              <a:t>.</a:t>
+            </a:r>
+          </a:p>
+          <a:p>
+            <a:r>
+              <a:rPr lang="it-IT" sz="1600" b="1" dirty="0"/>
+              <a:t>Random </a:t>
+            </a:r>
+            <a:r>
+              <a:rPr lang="it-IT" sz="1600" b="1" dirty="0" err="1"/>
+              <a:t>Forest</a:t>
+            </a:r>
+            <a:r>
+              <a:rPr lang="it-IT" sz="1600" b="1" dirty="0"/>
+              <a:t>:</a:t>
+            </a:r>
+            <a:endParaRPr lang="it-IT" sz="1600" dirty="0"/>
+          </a:p>
+          <a:p>
+            <a:pPr lvl="1"/>
+            <a:r>
+              <a:rPr lang="it-IT" sz="1600" i="0" dirty="0"/>
+              <a:t>Strong on </a:t>
+            </a:r>
+            <a:r>
+              <a:rPr lang="it-IT" sz="1600" i="0" dirty="0" err="1"/>
+              <a:t>both</a:t>
+            </a:r>
+            <a:r>
+              <a:rPr lang="it-IT" sz="1600" i="0" dirty="0"/>
+              <a:t> classes.</a:t>
+            </a:r>
+          </a:p>
+          <a:p>
+            <a:r>
+              <a:rPr lang="it-IT" sz="1600" b="1" dirty="0" err="1"/>
+              <a:t>Decision</a:t>
+            </a:r>
+            <a:r>
+              <a:rPr lang="it-IT" sz="1600" b="1" dirty="0"/>
+              <a:t> </a:t>
+            </a:r>
+            <a:r>
+              <a:rPr lang="it-IT" sz="1600" b="1" dirty="0" err="1"/>
+              <a:t>Tree</a:t>
+            </a:r>
+            <a:r>
+              <a:rPr lang="it-IT" sz="1600" b="1" dirty="0"/>
+              <a:t>:</a:t>
+            </a:r>
+          </a:p>
+          <a:p>
+            <a:pPr lvl="1"/>
+            <a:r>
+              <a:rPr lang="it-IT" sz="1600" i="0" dirty="0"/>
+              <a:t>Good </a:t>
+            </a:r>
+            <a:r>
+              <a:rPr lang="it-IT" sz="1600" i="0" dirty="0" err="1"/>
+              <a:t>at</a:t>
+            </a:r>
+            <a:r>
+              <a:rPr lang="it-IT" sz="1600" i="0" dirty="0"/>
+              <a:t> </a:t>
+            </a:r>
+            <a:r>
+              <a:rPr lang="it-IT" sz="1600" i="0" dirty="0" err="1"/>
+              <a:t>predicting</a:t>
+            </a:r>
+            <a:r>
+              <a:rPr lang="it-IT" sz="1600" i="0" dirty="0"/>
+              <a:t> </a:t>
+            </a:r>
+            <a:r>
+              <a:rPr lang="it-IT" sz="1600" i="0" dirty="0" err="1"/>
+              <a:t>both</a:t>
+            </a:r>
+            <a:r>
+              <a:rPr lang="it-IT" sz="1600" i="0" dirty="0"/>
+              <a:t> classes with </a:t>
+            </a:r>
+            <a:r>
+              <a:rPr lang="it-IT" sz="1600" i="0" dirty="0" err="1"/>
+              <a:t>many</a:t>
+            </a:r>
+            <a:r>
+              <a:rPr lang="it-IT" sz="1600" i="0" dirty="0"/>
+              <a:t> false </a:t>
+            </a:r>
+            <a:r>
+              <a:rPr lang="it-IT" sz="1600" i="0" dirty="0" err="1"/>
+              <a:t>positives</a:t>
+            </a:r>
+            <a:r>
+              <a:rPr lang="it-IT" sz="1600" i="0" dirty="0"/>
+              <a:t>.</a:t>
+            </a:r>
+          </a:p>
+          <a:p>
+            <a:r>
+              <a:rPr lang="it-IT" sz="1600" b="1" i="0" dirty="0" err="1"/>
+              <a:t>Gradient-Boosted</a:t>
+            </a:r>
+            <a:r>
+              <a:rPr lang="it-IT" sz="1600" b="1" i="0" dirty="0"/>
+              <a:t> </a:t>
+            </a:r>
+            <a:r>
+              <a:rPr lang="it-IT" sz="1600" b="1" i="0" dirty="0" err="1"/>
+              <a:t>Tree</a:t>
+            </a:r>
+            <a:r>
+              <a:rPr lang="it-IT" sz="1600" b="1" i="0" dirty="0"/>
+              <a:t>:</a:t>
+            </a:r>
+          </a:p>
+          <a:p>
+            <a:pPr lvl="1"/>
+            <a:r>
+              <a:rPr lang="it-IT" sz="1600" i="0" dirty="0"/>
+              <a:t>The best, with </a:t>
+            </a:r>
+            <a:r>
+              <a:rPr lang="it-IT" sz="1600" i="0" dirty="0" err="1"/>
+              <a:t>almost</a:t>
+            </a:r>
+            <a:r>
+              <a:rPr lang="it-IT" sz="1600" i="0" dirty="0"/>
+              <a:t> </a:t>
+            </a:r>
+            <a:r>
+              <a:rPr lang="it-IT" sz="1600" i="0" dirty="0" err="1"/>
+              <a:t>perfect</a:t>
+            </a:r>
+            <a:r>
+              <a:rPr lang="it-IT" sz="1600" i="0" dirty="0"/>
+              <a:t> </a:t>
+            </a:r>
+            <a:r>
+              <a:rPr lang="it-IT" sz="1600" i="0" dirty="0" err="1"/>
+              <a:t>accuracy</a:t>
+            </a:r>
+            <a:r>
+              <a:rPr lang="it-IT" sz="1600" i="0" dirty="0"/>
+              <a:t>.</a:t>
+            </a:r>
+          </a:p>
+        </p:txBody>
+      </p:sp>
+      <p:sp>
+        <p:nvSpPr>
+          <p:cNvPr id="6" name="CasellaDiTesto 5">
+            <a:extLst>
+              <a:ext uri="{FF2B5EF4-FFF2-40B4-BE49-F238E27FC236}">
+                <a16:creationId xmlns:a16="http://schemas.microsoft.com/office/drawing/2014/main" id="{6DEFB298-ED1D-0915-FFC6-58DC1AED6787}"/>
+              </a:ext>
+            </a:extLst>
+          </p:cNvPr>
+          <p:cNvSpPr txBox="1"/>
+          <p:nvPr/>
+        </p:nvSpPr>
+        <p:spPr>
+          <a:xfrm>
+            <a:off x="7892425" y="6596390"/>
+            <a:ext cx="4299575" cy="261610"/>
+          </a:xfrm>
+          <a:prstGeom prst="rect">
+            <a:avLst/>
+          </a:prstGeom>
+          <a:noFill/>
+        </p:spPr>
+        <p:txBody>
+          <a:bodyPr wrap="none" rtlCol="0">
+            <a:spAutoFit/>
+          </a:bodyPr>
+          <a:lstStyle/>
+          <a:p>
+            <a:r>
+              <a:rPr lang="it-IT" sz="1100" dirty="0"/>
+              <a:t>Marco Lorenzo Damiani Ferretti, Luca De Dominicis, Alessandro Pasi </a:t>
+            </a:r>
+          </a:p>
+        </p:txBody>
+      </p:sp>
+      <p:pic>
+        <p:nvPicPr>
+          <p:cNvPr id="8" name="Immagine 7" descr="Immagine che contiene testo, schermata, diagramma, numero&#10;&#10;Descrizione generata automaticamente">
+            <a:extLst>
+              <a:ext uri="{FF2B5EF4-FFF2-40B4-BE49-F238E27FC236}">
+                <a16:creationId xmlns:a16="http://schemas.microsoft.com/office/drawing/2014/main" id="{E71C9B05-7A48-9351-2146-AE019D5609DC}"/>
+              </a:ext>
+            </a:extLst>
+          </p:cNvPr>
+          <p:cNvPicPr>
+            <a:picLocks noChangeAspect="1"/>
+          </p:cNvPicPr>
+          <p:nvPr/>
+        </p:nvPicPr>
+        <p:blipFill>
+          <a:blip r:embed="rId2"/>
+          <a:stretch>
+            <a:fillRect/>
+          </a:stretch>
+        </p:blipFill>
+        <p:spPr>
+          <a:xfrm>
+            <a:off x="7516865" y="1972457"/>
+            <a:ext cx="4403921" cy="4371893"/>
+          </a:xfrm>
+          <a:prstGeom prst="rect">
+            <a:avLst/>
+          </a:prstGeom>
+        </p:spPr>
+      </p:pic>
+    </p:spTree>
+    <p:extLst>
+      <p:ext uri="{BB962C8B-B14F-4D97-AF65-F5344CB8AC3E}">
+        <p14:creationId xmlns:p14="http://schemas.microsoft.com/office/powerpoint/2010/main" val="2932074736"/>
+      </p:ext>
+    </p:extLst>
+  </p:cSld>
+  <p:clrMapOvr>
+    <a:masterClrMapping/>
+  </p:clrMapOvr>
+</p:sld>
+</file>
+
+<file path=ppt/slides/slide12.xml><?xml version="1.0" encoding="utf-8"?>
+<p:sld xmlns:a="http://schemas.openxmlformats.org/drawingml/2006/main" xmlns:r="http://schemas.openxmlformats.org/officeDocument/2006/relationships" xmlns:p="http://schemas.openxmlformats.org/presentationml/2006/main">
+  <p:cSld>
+    <p:spTree>
+      <p:nvGrpSpPr>
+        <p:cNvPr id="1" name="">
+          <a:extLst>
+            <a:ext uri="{FF2B5EF4-FFF2-40B4-BE49-F238E27FC236}">
               <a16:creationId xmlns:a16="http://schemas.microsoft.com/office/drawing/2014/main" id="{8CEE3A75-51A4-901B-0BC0-71D43F46861F}"/>
             </a:ext>
           </a:extLst>
@@ -5656,7 +6225,7 @@
 </p:sld>
 </file>
 
-<file path=ppt/slides/slide12.xml><?xml version="1.0" encoding="utf-8"?>
+<file path=ppt/slides/slide13.xml><?xml version="1.0" encoding="utf-8"?>
 <p:sld xmlns:a="http://schemas.openxmlformats.org/drawingml/2006/main" xmlns:r="http://schemas.openxmlformats.org/officeDocument/2006/relationships" xmlns:p="http://schemas.openxmlformats.org/presentationml/2006/main">
   <p:cSld>
     <p:spTree>
@@ -6304,7 +6873,7 @@
 </p:sld>
 </file>
 
-<file path=ppt/slides/slide13.xml><?xml version="1.0" encoding="utf-8"?>
+<file path=ppt/slides/slide14.xml><?xml version="1.0" encoding="utf-8"?>
 <p:sld xmlns:a="http://schemas.openxmlformats.org/drawingml/2006/main" xmlns:r="http://schemas.openxmlformats.org/officeDocument/2006/relationships" xmlns:p="http://schemas.openxmlformats.org/presentationml/2006/main">
   <p:cSld>
     <p:spTree>
@@ -6682,7 +7251,7 @@
 </p:sld>
 </file>
 
-<file path=ppt/slides/slide14.xml><?xml version="1.0" encoding="utf-8"?>
+<file path=ppt/slides/slide15.xml><?xml version="1.0" encoding="utf-8"?>
 <p:sld xmlns:a="http://schemas.openxmlformats.org/drawingml/2006/main" xmlns:r="http://schemas.openxmlformats.org/officeDocument/2006/relationships" xmlns:p="http://schemas.openxmlformats.org/presentationml/2006/main">
   <p:cSld>
     <p:spTree>
@@ -6959,7 +7528,7 @@
           <p:nvPr>
             <p:extLst>
               <p:ext uri="{D42A27DB-BD31-4B8C-83A1-F6EECF244321}">
-                <p14:modId xmlns:p14="http://schemas.microsoft.com/office/powerpoint/2010/main" val="170443631"/>
+                <p14:modId xmlns:p14="http://schemas.microsoft.com/office/powerpoint/2010/main" val="1813888607"/>
               </p:ext>
             </p:extLst>
           </p:nvPr>
@@ -7148,7 +7717,7 @@
                           <a:ea typeface="+mn-ea"/>
                           <a:cs typeface="+mn-cs"/>
                         </a:rPr>
-                        <a:t>0.793494</a:t>
+                        <a:t>0.793527</a:t>
                       </a:r>
                       <a:endParaRPr lang="it-IT" dirty="0"/>
                     </a:p>
@@ -7171,7 +7740,7 @@
                           <a:ea typeface="+mn-ea"/>
                           <a:cs typeface="+mn-cs"/>
                         </a:rPr>
-                        <a:t>0.869079</a:t>
+                        <a:t>0.869193</a:t>
                       </a:r>
                       <a:endParaRPr lang="it-IT" dirty="0"/>
                     </a:p>
@@ -7194,7 +7763,7 @@
                           <a:ea typeface="+mn-ea"/>
                           <a:cs typeface="+mn-cs"/>
                         </a:rPr>
-                        <a:t>0.829565</a:t>
+                        <a:t>0.829603</a:t>
                       </a:r>
                       <a:endParaRPr lang="it-IT" dirty="0"/>
                     </a:p>
@@ -7320,7 +7889,7 @@
                           <a:ea typeface="+mn-ea"/>
                           <a:cs typeface="+mn-cs"/>
                         </a:rPr>
-                        <a:t>0.838109</a:t>
+                        <a:t>0.838111</a:t>
                       </a:r>
                       <a:endParaRPr lang="it-IT" dirty="0"/>
                     </a:p>
@@ -7436,7 +8005,7 @@
                           <a:ea typeface="+mn-ea"/>
                           <a:cs typeface="+mn-cs"/>
                         </a:rPr>
-                        <a:t>0.993067</a:t>
+                        <a:t>0.993065</a:t>
                       </a:r>
                       <a:endParaRPr lang="it-IT" dirty="0"/>
                     </a:p>
@@ -7501,7 +8070,382 @@
 </p:sld>
 </file>
 
-<file path=ppt/slides/slide15.xml><?xml version="1.0" encoding="utf-8"?>
+<file path=ppt/slides/slide16.xml><?xml version="1.0" encoding="utf-8"?>
+<p:sld xmlns:a="http://schemas.openxmlformats.org/drawingml/2006/main" xmlns:r="http://schemas.openxmlformats.org/officeDocument/2006/relationships" xmlns:p="http://schemas.openxmlformats.org/presentationml/2006/main">
+  <p:cSld>
+    <p:spTree>
+      <p:nvGrpSpPr>
+        <p:cNvPr id="1" name="">
+          <a:extLst>
+            <a:ext uri="{FF2B5EF4-FFF2-40B4-BE49-F238E27FC236}">
+              <a16:creationId xmlns:a16="http://schemas.microsoft.com/office/drawing/2014/main" id="{36B48269-31CB-09B1-C9D0-27459A43EE3F}"/>
+            </a:ext>
+          </a:extLst>
+        </p:cNvPr>
+        <p:cNvGrpSpPr/>
+        <p:nvPr/>
+      </p:nvGrpSpPr>
+      <p:grpSpPr>
+        <a:xfrm>
+          <a:off x="0" y="0"/>
+          <a:ext cx="0" cy="0"/>
+          <a:chOff x="0" y="0"/>
+          <a:chExt cx="0" cy="0"/>
+        </a:xfrm>
+      </p:grpSpPr>
+      <p:sp>
+        <p:nvSpPr>
+          <p:cNvPr id="2" name="Titolo 1">
+            <a:extLst>
+              <a:ext uri="{FF2B5EF4-FFF2-40B4-BE49-F238E27FC236}">
+                <a16:creationId xmlns:a16="http://schemas.microsoft.com/office/drawing/2014/main" id="{89BA4F51-17DA-ED78-0AA0-4E7DBEB8798A}"/>
+              </a:ext>
+            </a:extLst>
+          </p:cNvPr>
+          <p:cNvSpPr>
+            <a:spLocks noGrp="1"/>
+          </p:cNvSpPr>
+          <p:nvPr>
+            <p:ph type="title"/>
+          </p:nvPr>
+        </p:nvSpPr>
+        <p:spPr/>
+        <p:txBody>
+          <a:bodyPr/>
+          <a:lstStyle/>
+          <a:p>
+            <a:r>
+              <a:rPr lang="it-IT" dirty="0" err="1"/>
+              <a:t>Results</a:t>
+            </a:r>
+            <a:br>
+              <a:rPr lang="it-IT" dirty="0"/>
+            </a:br>
+            <a:r>
+              <a:rPr lang="it-IT" sz="2000" dirty="0"/>
+              <a:t>Evaluation of the models</a:t>
+            </a:r>
+          </a:p>
+        </p:txBody>
+      </p:sp>
+      <p:cxnSp>
+        <p:nvCxnSpPr>
+          <p:cNvPr id="4" name="Connettore 1 3">
+            <a:extLst>
+              <a:ext uri="{FF2B5EF4-FFF2-40B4-BE49-F238E27FC236}">
+                <a16:creationId xmlns:a16="http://schemas.microsoft.com/office/drawing/2014/main" id="{D053C4B9-5B84-7427-747B-25F4BD41C808}"/>
+              </a:ext>
+            </a:extLst>
+          </p:cNvPr>
+          <p:cNvCxnSpPr>
+            <a:cxnSpLocks/>
+          </p:cNvCxnSpPr>
+          <p:nvPr/>
+        </p:nvCxnSpPr>
+        <p:spPr>
+          <a:xfrm>
+            <a:off x="1473200" y="1625600"/>
+            <a:ext cx="9499600" cy="0"/>
+          </a:xfrm>
+          <a:prstGeom prst="line">
+            <a:avLst/>
+          </a:prstGeom>
+        </p:spPr>
+        <p:style>
+          <a:lnRef idx="2">
+            <a:schemeClr val="accent1"/>
+          </a:lnRef>
+          <a:fillRef idx="0">
+            <a:schemeClr val="accent1"/>
+          </a:fillRef>
+          <a:effectRef idx="1">
+            <a:schemeClr val="accent1"/>
+          </a:effectRef>
+          <a:fontRef idx="minor">
+            <a:schemeClr val="tx1"/>
+          </a:fontRef>
+        </p:style>
+      </p:cxnSp>
+      <p:sp>
+        <p:nvSpPr>
+          <p:cNvPr id="3" name="Segnaposto contenuto 2">
+            <a:extLst>
+              <a:ext uri="{FF2B5EF4-FFF2-40B4-BE49-F238E27FC236}">
+                <a16:creationId xmlns:a16="http://schemas.microsoft.com/office/drawing/2014/main" id="{CA9E8DBF-FE3C-3F26-8F9E-29EC167D2978}"/>
+              </a:ext>
+            </a:extLst>
+          </p:cNvPr>
+          <p:cNvSpPr>
+            <a:spLocks noGrp="1"/>
+          </p:cNvSpPr>
+          <p:nvPr>
+            <p:ph idx="1"/>
+          </p:nvPr>
+        </p:nvSpPr>
+        <p:spPr>
+          <a:xfrm>
+            <a:off x="1371600" y="4489449"/>
+            <a:ext cx="9601200" cy="2001661"/>
+          </a:xfrm>
+        </p:spPr>
+        <p:txBody>
+          <a:bodyPr>
+            <a:normAutofit fontScale="92500" lnSpcReduction="20000"/>
+          </a:bodyPr>
+          <a:lstStyle/>
+          <a:p>
+            <a:pPr lvl="0"/>
+            <a:r>
+              <a:rPr lang="it-IT" b="1" i="0" dirty="0" err="1"/>
+              <a:t>Multilayer</a:t>
+            </a:r>
+            <a:r>
+              <a:rPr lang="it-IT" b="1" i="0" dirty="0"/>
+              <a:t> </a:t>
+            </a:r>
+            <a:r>
+              <a:rPr lang="it-IT" b="1" i="0" dirty="0" err="1"/>
+              <a:t>Perceptron</a:t>
+            </a:r>
+            <a:r>
+              <a:rPr lang="it-IT" i="0" dirty="0"/>
+              <a:t>:</a:t>
+            </a:r>
+          </a:p>
+          <a:p>
+            <a:pPr lvl="1"/>
+            <a:r>
+              <a:rPr lang="it-IT" i="0" dirty="0" err="1"/>
+              <a:t>Decent</a:t>
+            </a:r>
+            <a:r>
+              <a:rPr lang="it-IT" i="0" dirty="0"/>
+              <a:t> </a:t>
+            </a:r>
+            <a:r>
+              <a:rPr lang="it-IT" i="0" dirty="0" err="1"/>
+              <a:t>prediction</a:t>
+            </a:r>
+            <a:r>
+              <a:rPr lang="it-IT" i="0" dirty="0"/>
+              <a:t> of </a:t>
+            </a:r>
+            <a:r>
+              <a:rPr lang="it-IT" i="0" dirty="0" err="1"/>
+              <a:t>both</a:t>
+            </a:r>
+            <a:r>
+              <a:rPr lang="it-IT" i="0" dirty="0"/>
+              <a:t> classes, </a:t>
+            </a:r>
+            <a:r>
+              <a:rPr lang="it-IT" i="0" dirty="0" err="1"/>
+              <a:t>but</a:t>
+            </a:r>
+            <a:r>
+              <a:rPr lang="it-IT" i="0" dirty="0"/>
+              <a:t> a </a:t>
+            </a:r>
+            <a:r>
+              <a:rPr lang="it-IT" i="0" dirty="0" err="1"/>
+              <a:t>lot</a:t>
+            </a:r>
+            <a:r>
+              <a:rPr lang="it-IT" i="0" dirty="0"/>
+              <a:t> of false </a:t>
+            </a:r>
+            <a:r>
+              <a:rPr lang="it-IT" i="0" dirty="0" err="1"/>
+              <a:t>positives</a:t>
+            </a:r>
+            <a:r>
+              <a:rPr lang="it-IT" i="0" dirty="0"/>
+              <a:t>.</a:t>
+            </a:r>
+          </a:p>
+          <a:p>
+            <a:r>
+              <a:rPr lang="it-IT" b="1" i="0" dirty="0"/>
+              <a:t>Linear SVM:</a:t>
+            </a:r>
+          </a:p>
+          <a:p>
+            <a:pPr lvl="1"/>
+            <a:r>
+              <a:rPr lang="it-IT" i="0" dirty="0"/>
+              <a:t>Good </a:t>
+            </a:r>
+            <a:r>
+              <a:rPr lang="it-IT" i="0" dirty="0" err="1"/>
+              <a:t>at</a:t>
+            </a:r>
+            <a:r>
+              <a:rPr lang="it-IT" i="0" dirty="0"/>
+              <a:t> </a:t>
+            </a:r>
+            <a:r>
+              <a:rPr lang="it-IT" i="0" dirty="0" err="1"/>
+              <a:t>predicting</a:t>
+            </a:r>
+            <a:r>
+              <a:rPr lang="it-IT" i="0" dirty="0"/>
+              <a:t> </a:t>
+            </a:r>
+            <a:r>
+              <a:rPr lang="it-IT" i="0" dirty="0" err="1"/>
+              <a:t>both</a:t>
+            </a:r>
+            <a:r>
+              <a:rPr lang="it-IT" i="0" dirty="0"/>
+              <a:t> classes with some false </a:t>
+            </a:r>
+            <a:r>
+              <a:rPr lang="it-IT" i="0" dirty="0" err="1"/>
+              <a:t>positives</a:t>
+            </a:r>
+            <a:r>
+              <a:rPr lang="it-IT" i="0" dirty="0"/>
+              <a:t> and </a:t>
+            </a:r>
+            <a:r>
+              <a:rPr lang="it-IT" i="0" dirty="0" err="1"/>
+              <a:t>negatives</a:t>
+            </a:r>
+            <a:r>
+              <a:rPr lang="it-IT" i="0" dirty="0"/>
+              <a:t>.</a:t>
+            </a:r>
+          </a:p>
+          <a:p>
+            <a:r>
+              <a:rPr lang="it-IT" b="1" dirty="0" err="1"/>
+              <a:t>Factorization</a:t>
+            </a:r>
+            <a:r>
+              <a:rPr lang="it-IT" b="1" dirty="0"/>
+              <a:t> Machines:</a:t>
+            </a:r>
+          </a:p>
+          <a:p>
+            <a:pPr lvl="1"/>
+            <a:r>
+              <a:rPr lang="it-IT" i="0" dirty="0"/>
+              <a:t>Strong on </a:t>
+            </a:r>
+            <a:r>
+              <a:rPr lang="it-IT" i="0" dirty="0" err="1"/>
+              <a:t>both</a:t>
+            </a:r>
+            <a:r>
+              <a:rPr lang="it-IT" i="0" dirty="0"/>
+              <a:t> classes with </a:t>
+            </a:r>
+            <a:r>
+              <a:rPr lang="it-IT" i="0" dirty="0" err="1"/>
+              <a:t>few</a:t>
+            </a:r>
+            <a:r>
+              <a:rPr lang="it-IT" i="0" dirty="0"/>
+              <a:t> false </a:t>
+            </a:r>
+            <a:r>
+              <a:rPr lang="it-IT" i="0" dirty="0" err="1"/>
+              <a:t>positives</a:t>
+            </a:r>
+            <a:r>
+              <a:rPr lang="it-IT" i="0" dirty="0"/>
+              <a:t> and </a:t>
+            </a:r>
+            <a:r>
+              <a:rPr lang="it-IT" i="0" dirty="0" err="1"/>
+              <a:t>negatives</a:t>
+            </a:r>
+            <a:r>
+              <a:rPr lang="it-IT" i="0" dirty="0"/>
+              <a:t>.</a:t>
+            </a:r>
+          </a:p>
+        </p:txBody>
+      </p:sp>
+      <p:sp>
+        <p:nvSpPr>
+          <p:cNvPr id="6" name="CasellaDiTesto 5">
+            <a:extLst>
+              <a:ext uri="{FF2B5EF4-FFF2-40B4-BE49-F238E27FC236}">
+                <a16:creationId xmlns:a16="http://schemas.microsoft.com/office/drawing/2014/main" id="{2BA08624-51CA-651E-18E8-973F3A0B6397}"/>
+              </a:ext>
+            </a:extLst>
+          </p:cNvPr>
+          <p:cNvSpPr txBox="1"/>
+          <p:nvPr/>
+        </p:nvSpPr>
+        <p:spPr>
+          <a:xfrm>
+            <a:off x="7892425" y="6596390"/>
+            <a:ext cx="4299575" cy="261610"/>
+          </a:xfrm>
+          <a:prstGeom prst="rect">
+            <a:avLst/>
+          </a:prstGeom>
+          <a:noFill/>
+        </p:spPr>
+        <p:txBody>
+          <a:bodyPr wrap="none" rtlCol="0">
+            <a:spAutoFit/>
+          </a:bodyPr>
+          <a:lstStyle/>
+          <a:p>
+            <a:r>
+              <a:rPr lang="it-IT" sz="1100" dirty="0"/>
+              <a:t>Marco Lorenzo Damiani Ferretti, Luca De Dominicis, Alessandro Pasi </a:t>
+            </a:r>
+          </a:p>
+        </p:txBody>
+      </p:sp>
+      <p:pic>
+        <p:nvPicPr>
+          <p:cNvPr id="8" name="Immagine 7" descr="Immagine che contiene testo, schermata, Policromia, numero&#10;&#10;Descrizione generata automaticamente">
+            <a:extLst>
+              <a:ext uri="{FF2B5EF4-FFF2-40B4-BE49-F238E27FC236}">
+                <a16:creationId xmlns:a16="http://schemas.microsoft.com/office/drawing/2014/main" id="{FAA35790-D735-CD35-C726-E44E8213E2B6}"/>
+              </a:ext>
+            </a:extLst>
+          </p:cNvPr>
+          <p:cNvPicPr>
+            <a:picLocks noChangeAspect="1"/>
+          </p:cNvPicPr>
+          <p:nvPr/>
+        </p:nvPicPr>
+        <p:blipFill>
+          <a:blip r:embed="rId2"/>
+          <a:stretch>
+            <a:fillRect/>
+          </a:stretch>
+        </p:blipFill>
+        <p:spPr>
+          <a:xfrm>
+            <a:off x="2828223" y="1784351"/>
+            <a:ext cx="6535553" cy="2526448"/>
+          </a:xfrm>
+          <a:prstGeom prst="rect">
+            <a:avLst/>
+          </a:prstGeom>
+        </p:spPr>
+      </p:pic>
+    </p:spTree>
+    <p:extLst>
+      <p:ext uri="{BB962C8B-B14F-4D97-AF65-F5344CB8AC3E}">
+        <p14:creationId xmlns:p14="http://schemas.microsoft.com/office/powerpoint/2010/main" val="1298097049"/>
+      </p:ext>
+    </p:extLst>
+  </p:cSld>
+  <p:clrMapOvr>
+    <a:masterClrMapping/>
+  </p:clrMapOvr>
+</p:sld>
+</file>
+
+<file path=ppt/slides/slide17.xml><?xml version="1.0" encoding="utf-8"?>
 <p:sld xmlns:a="http://schemas.openxmlformats.org/drawingml/2006/main" xmlns:r="http://schemas.openxmlformats.org/officeDocument/2006/relationships" xmlns:p="http://schemas.openxmlformats.org/presentationml/2006/main">
   <p:cSld>
     <p:spTree>
@@ -8062,7 +9006,7 @@
 </p:sld>
 </file>
 
-<file path=ppt/slides/slide16.xml><?xml version="1.0" encoding="utf-8"?>
+<file path=ppt/slides/slide18.xml><?xml version="1.0" encoding="utf-8"?>
 <p:sld xmlns:a="http://schemas.openxmlformats.org/drawingml/2006/main" xmlns:r="http://schemas.openxmlformats.org/officeDocument/2006/relationships" xmlns:p="http://schemas.openxmlformats.org/presentationml/2006/main">
   <p:cSld>
     <p:spTree>
@@ -10879,7 +11823,7 @@
             </a:r>
             <a:r>
               <a:rPr lang="it-IT" dirty="0"/>
-              <a:t> = 0.5</a:t>
+              <a:t> = 0</a:t>
             </a:r>
           </a:p>
         </p:txBody>

--- a/BDA-Presentation.pptx
+++ b/BDA-Presentation.pptx
@@ -5659,6 +5659,14 @@
               <a:t>Bayes</a:t>
             </a:r>
             <a:r>
+              <a:rPr lang="it-IT" sz="1600" b="1" i="0" dirty="0"/>
+              <a:t> - </a:t>
+            </a:r>
+            <a:r>
+              <a:rPr lang="it-IT" sz="1600" b="1" i="0" dirty="0" err="1"/>
+              <a:t>OvR</a:t>
+            </a:r>
+            <a:r>
               <a:rPr lang="it-IT" sz="1600" i="0" dirty="0"/>
               <a:t>:</a:t>
             </a:r>
@@ -6430,8 +6438,12 @@
               <a:t> sets of input data </a:t>
             </a:r>
             <a:r>
+              <a:rPr lang="it-IT" i="0" dirty="0" err="1"/>
+              <a:t>i</a:t>
+            </a:r>
+            <a:r>
               <a:rPr lang="it-IT" i="0" baseline="0" dirty="0" err="1"/>
-              <a:t>onto</a:t>
+              <a:t>nto</a:t>
             </a:r>
             <a:r>
               <a:rPr lang="it-IT" i="0" baseline="0" dirty="0"/>
@@ -9661,7 +9673,7 @@
             </a:r>
             <a:r>
               <a:rPr lang="it-IT" baseline="0" dirty="0" err="1"/>
-              <a:t>caracterized</a:t>
+              <a:t>characterized</a:t>
             </a:r>
             <a:r>
               <a:rPr lang="it-IT" baseline="0" dirty="0"/>
@@ -10302,12 +10314,8 @@
           <a:p>
             <a:pPr lvl="0"/>
             <a:r>
-              <a:rPr lang="it-IT" baseline="0" dirty="0" err="1"/>
-              <a:t>Ths</a:t>
-            </a:r>
-            <a:r>
               <a:rPr lang="it-IT" baseline="0" dirty="0"/>
-              <a:t> Spark session </a:t>
+              <a:t>The Spark session </a:t>
             </a:r>
             <a:r>
               <a:rPr lang="it-IT" baseline="0" dirty="0" err="1"/>
@@ -11823,7 +11831,7 @@
             </a:r>
             <a:r>
               <a:rPr lang="it-IT" dirty="0"/>
-              <a:t> = 0</a:t>
+              <a:t> = 1.0</a:t>
             </a:r>
           </a:p>
         </p:txBody>

--- a/BDA-Presentation.pptx
+++ b/BDA-Presentation.pptx
@@ -129,12 +129,20 @@
 </p:presentation>
 </file>
 
+<file path=ppt/revisionInfo.xml><?xml version="1.0" encoding="utf-8"?>
+<p1510:revInfo xmlns:a="http://schemas.openxmlformats.org/drawingml/2006/main" xmlns:r="http://schemas.openxmlformats.org/officeDocument/2006/relationships" xmlns:p1510="http://schemas.microsoft.com/office/powerpoint/2015/10/main">
+  <p1510:revLst>
+    <p1510:client id="{C01AA7F6-096D-4E43-BA0F-750A0180BADA}" v="3" dt="2024-01-30T17:17:59.665"/>
+  </p1510:revLst>
+</p1510:revInfo>
+</file>
+
 <file path=ppt/changesInfos/changesInfo1.xml><?xml version="1.0" encoding="utf-8"?>
 <pc:chgInfo xmlns:a="http://schemas.openxmlformats.org/drawingml/2006/main" xmlns:r="http://schemas.openxmlformats.org/officeDocument/2006/relationships" xmlns:ac="http://schemas.microsoft.com/office/drawing/2013/main/command" xmlns:pc="http://schemas.microsoft.com/office/powerpoint/2013/main/command">
   <pc:docChgLst>
     <pc:chgData name="Marco Lorenzo Damiani" userId="db63966ec21857c1" providerId="LiveId" clId="{C01AA7F6-096D-4E43-BA0F-750A0180BADA}"/>
     <pc:docChg chg="undo custSel modSld">
-      <pc:chgData name="Marco Lorenzo Damiani" userId="db63966ec21857c1" providerId="LiveId" clId="{C01AA7F6-096D-4E43-BA0F-750A0180BADA}" dt="2024-01-30T13:32:01.595" v="48" actId="20577"/>
+      <pc:chgData name="Marco Lorenzo Damiani" userId="db63966ec21857c1" providerId="LiveId" clId="{C01AA7F6-096D-4E43-BA0F-750A0180BADA}" dt="2024-01-30T17:22:03.298" v="546" actId="20577"/>
       <pc:docMkLst>
         <pc:docMk/>
       </pc:docMkLst>
@@ -169,13 +177,13 @@
         </pc:spChg>
       </pc:sldChg>
       <pc:sldChg chg="modSp mod">
-        <pc:chgData name="Marco Lorenzo Damiani" userId="db63966ec21857c1" providerId="LiveId" clId="{C01AA7F6-096D-4E43-BA0F-750A0180BADA}" dt="2024-01-30T13:16:26.160" v="2" actId="20577"/>
+        <pc:chgData name="Marco Lorenzo Damiani" userId="db63966ec21857c1" providerId="LiveId" clId="{C01AA7F6-096D-4E43-BA0F-750A0180BADA}" dt="2024-01-30T17:07:59.524" v="51" actId="1076"/>
         <pc:sldMkLst>
           <pc:docMk/>
           <pc:sldMk cId="4168180153" sldId="261"/>
         </pc:sldMkLst>
         <pc:spChg chg="mod">
-          <ac:chgData name="Marco Lorenzo Damiani" userId="db63966ec21857c1" providerId="LiveId" clId="{C01AA7F6-096D-4E43-BA0F-750A0180BADA}" dt="2024-01-30T13:16:26.160" v="2" actId="20577"/>
+          <ac:chgData name="Marco Lorenzo Damiani" userId="db63966ec21857c1" providerId="LiveId" clId="{C01AA7F6-096D-4E43-BA0F-750A0180BADA}" dt="2024-01-30T17:07:59.524" v="51" actId="1076"/>
           <ac:spMkLst>
             <pc:docMk/>
             <pc:sldMk cId="4168180153" sldId="261"/>
@@ -199,13 +207,28 @@
         </pc:spChg>
       </pc:sldChg>
       <pc:sldChg chg="modSp mod">
-        <pc:chgData name="Marco Lorenzo Damiani" userId="db63966ec21857c1" providerId="LiveId" clId="{C01AA7F6-096D-4E43-BA0F-750A0180BADA}" dt="2024-01-30T13:21:51.973" v="10" actId="114"/>
+        <pc:chgData name="Marco Lorenzo Damiani" userId="db63966ec21857c1" providerId="LiveId" clId="{C01AA7F6-096D-4E43-BA0F-750A0180BADA}" dt="2024-01-30T17:08:35.723" v="55" actId="20577"/>
+        <pc:sldMkLst>
+          <pc:docMk/>
+          <pc:sldMk cId="744020333" sldId="263"/>
+        </pc:sldMkLst>
+        <pc:spChg chg="mod">
+          <ac:chgData name="Marco Lorenzo Damiani" userId="db63966ec21857c1" providerId="LiveId" clId="{C01AA7F6-096D-4E43-BA0F-750A0180BADA}" dt="2024-01-30T17:08:35.723" v="55" actId="20577"/>
+          <ac:spMkLst>
+            <pc:docMk/>
+            <pc:sldMk cId="744020333" sldId="263"/>
+            <ac:spMk id="3" creationId="{1157DDA0-C373-5F7A-0216-3AD207C3A7A0}"/>
+          </ac:spMkLst>
+        </pc:spChg>
+      </pc:sldChg>
+      <pc:sldChg chg="modSp mod">
+        <pc:chgData name="Marco Lorenzo Damiani" userId="db63966ec21857c1" providerId="LiveId" clId="{C01AA7F6-096D-4E43-BA0F-750A0180BADA}" dt="2024-01-30T17:09:24.093" v="83" actId="6549"/>
         <pc:sldMkLst>
           <pc:docMk/>
           <pc:sldMk cId="4156399124" sldId="264"/>
         </pc:sldMkLst>
         <pc:spChg chg="mod">
-          <ac:chgData name="Marco Lorenzo Damiani" userId="db63966ec21857c1" providerId="LiveId" clId="{C01AA7F6-096D-4E43-BA0F-750A0180BADA}" dt="2024-01-30T13:21:51.973" v="10" actId="114"/>
+          <ac:chgData name="Marco Lorenzo Damiani" userId="db63966ec21857c1" providerId="LiveId" clId="{C01AA7F6-096D-4E43-BA0F-750A0180BADA}" dt="2024-01-30T17:09:24.093" v="83" actId="6549"/>
           <ac:spMkLst>
             <pc:docMk/>
             <pc:sldMk cId="4156399124" sldId="264"/>
@@ -214,13 +237,13 @@
         </pc:spChg>
       </pc:sldChg>
       <pc:sldChg chg="modSp mod">
-        <pc:chgData name="Marco Lorenzo Damiani" userId="db63966ec21857c1" providerId="LiveId" clId="{C01AA7F6-096D-4E43-BA0F-750A0180BADA}" dt="2024-01-30T13:28:40.046" v="22" actId="20577"/>
+        <pc:chgData name="Marco Lorenzo Damiani" userId="db63966ec21857c1" providerId="LiveId" clId="{C01AA7F6-096D-4E43-BA0F-750A0180BADA}" dt="2024-01-30T17:08:53.242" v="59" actId="20577"/>
         <pc:sldMkLst>
           <pc:docMk/>
           <pc:sldMk cId="3459259988" sldId="265"/>
         </pc:sldMkLst>
         <pc:spChg chg="mod">
-          <ac:chgData name="Marco Lorenzo Damiani" userId="db63966ec21857c1" providerId="LiveId" clId="{C01AA7F6-096D-4E43-BA0F-750A0180BADA}" dt="2024-01-30T13:28:40.046" v="22" actId="20577"/>
+          <ac:chgData name="Marco Lorenzo Damiani" userId="db63966ec21857c1" providerId="LiveId" clId="{C01AA7F6-096D-4E43-BA0F-750A0180BADA}" dt="2024-01-30T17:08:53.242" v="59" actId="20577"/>
           <ac:spMkLst>
             <pc:docMk/>
             <pc:sldMk cId="3459259988" sldId="265"/>
@@ -229,13 +252,13 @@
         </pc:spChg>
       </pc:sldChg>
       <pc:sldChg chg="modSp mod">
-        <pc:chgData name="Marco Lorenzo Damiani" userId="db63966ec21857c1" providerId="LiveId" clId="{C01AA7F6-096D-4E43-BA0F-750A0180BADA}" dt="2024-01-30T13:29:05.644" v="31" actId="20577"/>
+        <pc:chgData name="Marco Lorenzo Damiani" userId="db63966ec21857c1" providerId="LiveId" clId="{C01AA7F6-096D-4E43-BA0F-750A0180BADA}" dt="2024-01-30T17:09:36.163" v="85" actId="20577"/>
         <pc:sldMkLst>
           <pc:docMk/>
           <pc:sldMk cId="3126199713" sldId="266"/>
         </pc:sldMkLst>
         <pc:spChg chg="mod">
-          <ac:chgData name="Marco Lorenzo Damiani" userId="db63966ec21857c1" providerId="LiveId" clId="{C01AA7F6-096D-4E43-BA0F-750A0180BADA}" dt="2024-01-30T13:29:05.644" v="31" actId="20577"/>
+          <ac:chgData name="Marco Lorenzo Damiani" userId="db63966ec21857c1" providerId="LiveId" clId="{C01AA7F6-096D-4E43-BA0F-750A0180BADA}" dt="2024-01-30T17:09:36.163" v="85" actId="20577"/>
           <ac:spMkLst>
             <pc:docMk/>
             <pc:sldMk cId="3126199713" sldId="266"/>
@@ -244,7 +267,7 @@
         </pc:spChg>
       </pc:sldChg>
       <pc:sldChg chg="modSp mod">
-        <pc:chgData name="Marco Lorenzo Damiani" userId="db63966ec21857c1" providerId="LiveId" clId="{C01AA7F6-096D-4E43-BA0F-750A0180BADA}" dt="2024-01-30T13:29:32.761" v="34" actId="20577"/>
+        <pc:chgData name="Marco Lorenzo Damiani" userId="db63966ec21857c1" providerId="LiveId" clId="{C01AA7F6-096D-4E43-BA0F-750A0180BADA}" dt="2024-01-30T17:13:52.256" v="353" actId="20577"/>
         <pc:sldMkLst>
           <pc:docMk/>
           <pc:sldMk cId="3893840255" sldId="267"/>
@@ -257,6 +280,14 @@
             <ac:spMk id="3" creationId="{757B7A34-E92E-A5A0-2771-5792D9504B89}"/>
           </ac:spMkLst>
         </pc:spChg>
+        <pc:graphicFrameChg chg="modGraphic">
+          <ac:chgData name="Marco Lorenzo Damiani" userId="db63966ec21857c1" providerId="LiveId" clId="{C01AA7F6-096D-4E43-BA0F-750A0180BADA}" dt="2024-01-30T17:13:52.256" v="353" actId="20577"/>
+          <ac:graphicFrameMkLst>
+            <pc:docMk/>
+            <pc:sldMk cId="3893840255" sldId="267"/>
+            <ac:graphicFrameMk id="5" creationId="{4267E925-5CAE-650C-685F-6954FDDB9759}"/>
+          </ac:graphicFrameMkLst>
+        </pc:graphicFrameChg>
       </pc:sldChg>
       <pc:sldChg chg="modSp mod">
         <pc:chgData name="Marco Lorenzo Damiani" userId="db63966ec21857c1" providerId="LiveId" clId="{C01AA7F6-096D-4E43-BA0F-750A0180BADA}" dt="2024-01-30T13:30:45.984" v="37" actId="20577"/>
@@ -289,7 +320,7 @@
         </pc:spChg>
       </pc:sldChg>
       <pc:sldChg chg="modSp mod">
-        <pc:chgData name="Marco Lorenzo Damiani" userId="db63966ec21857c1" providerId="LiveId" clId="{C01AA7F6-096D-4E43-BA0F-750A0180BADA}" dt="2024-01-30T13:31:51.108" v="46" actId="20577"/>
+        <pc:chgData name="Marco Lorenzo Damiani" userId="db63966ec21857c1" providerId="LiveId" clId="{C01AA7F6-096D-4E43-BA0F-750A0180BADA}" dt="2024-01-30T17:16:33.618" v="479" actId="20577"/>
         <pc:sldMkLst>
           <pc:docMk/>
           <pc:sldMk cId="2931947538" sldId="272"/>
@@ -302,21 +333,83 @@
             <ac:spMk id="3" creationId="{7E12CD3C-BB26-22C0-D8FC-2B9019D7766E}"/>
           </ac:spMkLst>
         </pc:spChg>
+        <pc:graphicFrameChg chg="modGraphic">
+          <ac:chgData name="Marco Lorenzo Damiani" userId="db63966ec21857c1" providerId="LiveId" clId="{C01AA7F6-096D-4E43-BA0F-750A0180BADA}" dt="2024-01-30T17:16:33.618" v="479" actId="20577"/>
+          <ac:graphicFrameMkLst>
+            <pc:docMk/>
+            <pc:sldMk cId="2931947538" sldId="272"/>
+            <ac:graphicFrameMk id="5" creationId="{5FCE86E2-5ECD-54E5-B18D-AAC787175828}"/>
+          </ac:graphicFrameMkLst>
+        </pc:graphicFrameChg>
       </pc:sldChg>
       <pc:sldChg chg="modSp mod">
-        <pc:chgData name="Marco Lorenzo Damiani" userId="db63966ec21857c1" providerId="LiveId" clId="{C01AA7F6-096D-4E43-BA0F-750A0180BADA}" dt="2024-01-30T13:32:01.595" v="48" actId="20577"/>
+        <pc:chgData name="Marco Lorenzo Damiani" userId="db63966ec21857c1" providerId="LiveId" clId="{C01AA7F6-096D-4E43-BA0F-750A0180BADA}" dt="2024-01-30T17:22:03.298" v="546" actId="20577"/>
         <pc:sldMkLst>
           <pc:docMk/>
           <pc:sldMk cId="1374965930" sldId="274"/>
         </pc:sldMkLst>
         <pc:spChg chg="mod">
-          <ac:chgData name="Marco Lorenzo Damiani" userId="db63966ec21857c1" providerId="LiveId" clId="{C01AA7F6-096D-4E43-BA0F-750A0180BADA}" dt="2024-01-30T13:32:01.595" v="48" actId="20577"/>
+          <ac:chgData name="Marco Lorenzo Damiani" userId="db63966ec21857c1" providerId="LiveId" clId="{C01AA7F6-096D-4E43-BA0F-750A0180BADA}" dt="2024-01-30T17:22:03.298" v="546" actId="20577"/>
           <ac:spMkLst>
             <pc:docMk/>
             <pc:sldMk cId="1374965930" sldId="274"/>
             <ac:spMk id="7" creationId="{66D70A70-57E9-0CEB-5B1E-239DE8887E5C}"/>
           </ac:spMkLst>
         </pc:spChg>
+        <pc:picChg chg="mod">
+          <ac:chgData name="Marco Lorenzo Damiani" userId="db63966ec21857c1" providerId="LiveId" clId="{C01AA7F6-096D-4E43-BA0F-750A0180BADA}" dt="2024-01-30T17:17:59.665" v="482" actId="14826"/>
+          <ac:picMkLst>
+            <pc:docMk/>
+            <pc:sldMk cId="1374965930" sldId="274"/>
+            <ac:picMk id="4" creationId="{2E239478-1B16-5893-DF10-57C1A20FD187}"/>
+          </ac:picMkLst>
+        </pc:picChg>
+      </pc:sldChg>
+      <pc:sldChg chg="modSp mod">
+        <pc:chgData name="Marco Lorenzo Damiani" userId="db63966ec21857c1" providerId="LiveId" clId="{C01AA7F6-096D-4E43-BA0F-750A0180BADA}" dt="2024-01-30T17:21:00.741" v="535" actId="20577"/>
+        <pc:sldMkLst>
+          <pc:docMk/>
+          <pc:sldMk cId="2932074736" sldId="276"/>
+        </pc:sldMkLst>
+        <pc:spChg chg="mod">
+          <ac:chgData name="Marco Lorenzo Damiani" userId="db63966ec21857c1" providerId="LiveId" clId="{C01AA7F6-096D-4E43-BA0F-750A0180BADA}" dt="2024-01-30T17:21:00.741" v="535" actId="20577"/>
+          <ac:spMkLst>
+            <pc:docMk/>
+            <pc:sldMk cId="2932074736" sldId="276"/>
+            <ac:spMk id="3" creationId="{F42DCF68-6959-E4DB-3395-26755B9FB2D1}"/>
+          </ac:spMkLst>
+        </pc:spChg>
+        <pc:picChg chg="mod">
+          <ac:chgData name="Marco Lorenzo Damiani" userId="db63966ec21857c1" providerId="LiveId" clId="{C01AA7F6-096D-4E43-BA0F-750A0180BADA}" dt="2024-01-30T17:17:23.653" v="480" actId="14826"/>
+          <ac:picMkLst>
+            <pc:docMk/>
+            <pc:sldMk cId="2932074736" sldId="276"/>
+            <ac:picMk id="8" creationId="{E71C9B05-7A48-9351-2146-AE019D5609DC}"/>
+          </ac:picMkLst>
+        </pc:picChg>
+      </pc:sldChg>
+      <pc:sldChg chg="modSp mod">
+        <pc:chgData name="Marco Lorenzo Damiani" userId="db63966ec21857c1" providerId="LiveId" clId="{C01AA7F6-096D-4E43-BA0F-750A0180BADA}" dt="2024-01-30T17:21:33.784" v="544" actId="20577"/>
+        <pc:sldMkLst>
+          <pc:docMk/>
+          <pc:sldMk cId="1298097049" sldId="277"/>
+        </pc:sldMkLst>
+        <pc:spChg chg="mod">
+          <ac:chgData name="Marco Lorenzo Damiani" userId="db63966ec21857c1" providerId="LiveId" clId="{C01AA7F6-096D-4E43-BA0F-750A0180BADA}" dt="2024-01-30T17:21:33.784" v="544" actId="20577"/>
+          <ac:spMkLst>
+            <pc:docMk/>
+            <pc:sldMk cId="1298097049" sldId="277"/>
+            <ac:spMk id="3" creationId="{CA9E8DBF-FE3C-3F26-8F9E-29EC167D2978}"/>
+          </ac:spMkLst>
+        </pc:spChg>
+        <pc:picChg chg="mod">
+          <ac:chgData name="Marco Lorenzo Damiani" userId="db63966ec21857c1" providerId="LiveId" clId="{C01AA7F6-096D-4E43-BA0F-750A0180BADA}" dt="2024-01-30T17:17:49.050" v="481" actId="14826"/>
+          <ac:picMkLst>
+            <pc:docMk/>
+            <pc:sldMk cId="1298097049" sldId="277"/>
+            <ac:picMk id="8" creationId="{FAA35790-D735-CD35-C726-E44E8213E2B6}"/>
+          </ac:picMkLst>
+        </pc:picChg>
       </pc:sldChg>
     </pc:docChg>
   </pc:docChgLst>
@@ -493,7 +586,7 @@
             <a:fld id="{87DE6118-2437-4B30-8E3C-4D2BE6020583}" type="datetimeFigureOut">
               <a:rPr lang="en-US" smtClean="0"/>
               <a:pPr/>
-              <a:t>1/30/24</a:t>
+              <a:t>1/30/2024</a:t>
             </a:fld>
             <a:endParaRPr lang="en-US" dirty="0"/>
           </a:p>
@@ -824,7 +917,7 @@
           <a:p>
             <a:fld id="{87DE6118-2437-4B30-8E3C-4D2BE6020583}" type="datetimeFigureOut">
               <a:rPr lang="en-US" smtClean="0"/>
-              <a:t>1/30/24</a:t>
+              <a:t>1/30/2024</a:t>
             </a:fld>
             <a:endParaRPr lang="en-US" dirty="0"/>
           </a:p>
@@ -1005,7 +1098,7 @@
             <a:fld id="{87DE6118-2437-4B30-8E3C-4D2BE6020583}" type="datetimeFigureOut">
               <a:rPr lang="en-US" smtClean="0"/>
               <a:pPr/>
-              <a:t>1/30/24</a:t>
+              <a:t>1/30/2024</a:t>
             </a:fld>
             <a:endParaRPr lang="en-US" dirty="0"/>
           </a:p>
@@ -1176,7 +1269,7 @@
           <a:p>
             <a:fld id="{87DE6118-2437-4B30-8E3C-4D2BE6020583}" type="datetimeFigureOut">
               <a:rPr lang="en-US" smtClean="0"/>
-              <a:t>1/30/24</a:t>
+              <a:t>1/30/2024</a:t>
             </a:fld>
             <a:endParaRPr lang="en-US" dirty="0"/>
           </a:p>
@@ -1454,7 +1547,7 @@
             <a:fld id="{87DE6118-2437-4B30-8E3C-4D2BE6020583}" type="datetimeFigureOut">
               <a:rPr lang="en-US" smtClean="0"/>
               <a:pPr/>
-              <a:t>1/30/24</a:t>
+              <a:t>1/30/2024</a:t>
             </a:fld>
             <a:endParaRPr lang="en-US" dirty="0"/>
           </a:p>
@@ -1849,7 +1942,7 @@
           <a:p>
             <a:fld id="{87DE6118-2437-4B30-8E3C-4D2BE6020583}" type="datetimeFigureOut">
               <a:rPr lang="en-US" smtClean="0"/>
-              <a:t>1/30/24</a:t>
+              <a:t>1/30/2024</a:t>
             </a:fld>
             <a:endParaRPr lang="en-US" dirty="0"/>
           </a:p>
@@ -2326,7 +2419,7 @@
           <a:p>
             <a:fld id="{87DE6118-2437-4B30-8E3C-4D2BE6020583}" type="datetimeFigureOut">
               <a:rPr lang="en-US" smtClean="0"/>
-              <a:t>1/30/24</a:t>
+              <a:t>1/30/2024</a:t>
             </a:fld>
             <a:endParaRPr lang="en-US" dirty="0"/>
           </a:p>
@@ -2444,7 +2537,7 @@
           <a:p>
             <a:fld id="{87DE6118-2437-4B30-8E3C-4D2BE6020583}" type="datetimeFigureOut">
               <a:rPr lang="en-US" smtClean="0"/>
-              <a:t>1/30/24</a:t>
+              <a:t>1/30/2024</a:t>
             </a:fld>
             <a:endParaRPr lang="en-US" dirty="0"/>
           </a:p>
@@ -2539,7 +2632,7 @@
           <a:p>
             <a:fld id="{87DE6118-2437-4B30-8E3C-4D2BE6020583}" type="datetimeFigureOut">
               <a:rPr lang="en-US" smtClean="0"/>
-              <a:t>1/30/24</a:t>
+              <a:t>1/30/2024</a:t>
             </a:fld>
             <a:endParaRPr lang="en-US" dirty="0"/>
           </a:p>
@@ -2886,7 +2979,7 @@
             <a:fld id="{87DE6118-2437-4B30-8E3C-4D2BE6020583}" type="datetimeFigureOut">
               <a:rPr lang="en-US" smtClean="0"/>
               <a:pPr/>
-              <a:t>1/30/24</a:t>
+              <a:t>1/30/2024</a:t>
             </a:fld>
             <a:endParaRPr lang="en-US" dirty="0"/>
           </a:p>
@@ -3276,7 +3369,7 @@
             <a:fld id="{87DE6118-2437-4B30-8E3C-4D2BE6020583}" type="datetimeFigureOut">
               <a:rPr lang="en-US" smtClean="0"/>
               <a:pPr/>
-              <a:t>1/30/24</a:t>
+              <a:t>1/30/2024</a:t>
             </a:fld>
             <a:endParaRPr lang="en-US" dirty="0"/>
           </a:p>
@@ -3556,7 +3649,7 @@
             <a:fld id="{87DE6118-2437-4B30-8E3C-4D2BE6020583}" type="datetimeFigureOut">
               <a:rPr lang="en-US" smtClean="0"/>
               <a:pPr/>
-              <a:t>1/30/24</a:t>
+              <a:t>1/30/2024</a:t>
             </a:fld>
             <a:endParaRPr lang="en-US" dirty="0"/>
           </a:p>
@@ -4466,7 +4559,7 @@
           <p:nvPr>
             <p:extLst>
               <p:ext uri="{D42A27DB-BD31-4B8C-83A1-F6EECF244321}">
-                <p14:modId xmlns:p14="http://schemas.microsoft.com/office/powerpoint/2010/main" val="3978856687"/>
+                <p14:modId xmlns:p14="http://schemas.microsoft.com/office/powerpoint/2010/main" val="1693350803"/>
               </p:ext>
             </p:extLst>
           </p:nvPr>
@@ -4667,7 +4760,7 @@
                           <a:ea typeface="+mn-ea"/>
                           <a:cs typeface="+mn-cs"/>
                         </a:rPr>
-                        <a:t>0.693344</a:t>
+                        <a:t>0.517832</a:t>
                       </a:r>
                       <a:endParaRPr lang="it-IT" dirty="0"/>
                     </a:p>
@@ -4690,7 +4783,7 @@
                           <a:ea typeface="+mn-ea"/>
                           <a:cs typeface="+mn-cs"/>
                         </a:rPr>
-                        <a:t>0.829687</a:t>
+                        <a:t>0.411506</a:t>
                       </a:r>
                       <a:endParaRPr lang="it-IT" dirty="0"/>
                     </a:p>
@@ -4713,7 +4806,7 @@
                           <a:ea typeface="+mn-ea"/>
                           <a:cs typeface="+mn-cs"/>
                         </a:rPr>
-                        <a:t>0.691134</a:t>
+                        <a:t>0.506996</a:t>
                       </a:r>
                       <a:endParaRPr lang="it-IT" dirty="0"/>
                     </a:p>
@@ -4787,7 +4880,7 @@
                           <a:ea typeface="+mn-ea"/>
                           <a:cs typeface="+mn-cs"/>
                         </a:rPr>
-                        <a:t>0.752913</a:t>
+                        <a:t>0.794051</a:t>
                       </a:r>
                       <a:endParaRPr lang="it-IT" dirty="0"/>
                     </a:p>
@@ -4826,7 +4919,7 @@
                           <a:ea typeface="+mn-ea"/>
                           <a:cs typeface="+mn-cs"/>
                         </a:rPr>
-                        <a:t>0.763761</a:t>
+                        <a:t>0.784761</a:t>
                       </a:r>
                     </a:p>
                   </a:txBody>
@@ -4848,7 +4941,7 @@
                           <a:ea typeface="+mn-ea"/>
                           <a:cs typeface="+mn-cs"/>
                         </a:rPr>
-                        <a:t>0.849208</a:t>
+                        <a:t>0.849215</a:t>
                       </a:r>
                       <a:endParaRPr lang="it-IT" dirty="0"/>
                     </a:p>
@@ -4927,7 +5020,7 @@
                           <a:ea typeface="+mn-ea"/>
                           <a:cs typeface="+mn-cs"/>
                         </a:rPr>
-                        <a:t>0.122288</a:t>
+                        <a:t>0.704613</a:t>
                       </a:r>
                       <a:endParaRPr lang="it-IT" dirty="0"/>
                     </a:p>
@@ -4950,7 +5043,7 @@
                           <a:ea typeface="+mn-ea"/>
                           <a:cs typeface="+mn-cs"/>
                         </a:rPr>
-                        <a:t>0.0838972</a:t>
+                        <a:t>0.832876</a:t>
                       </a:r>
                       <a:endParaRPr lang="it-IT" dirty="0"/>
                     </a:p>
@@ -4973,7 +5066,7 @@
                           <a:ea typeface="+mn-ea"/>
                           <a:cs typeface="+mn-cs"/>
                         </a:rPr>
-                        <a:t>0.63108</a:t>
+                        <a:t>0.631073</a:t>
                       </a:r>
                       <a:endParaRPr lang="it-IT" dirty="0"/>
                     </a:p>
@@ -5021,7 +5114,7 @@
                           <a:ea typeface="+mn-ea"/>
                           <a:cs typeface="+mn-cs"/>
                         </a:rPr>
-                        <a:t>0.968132</a:t>
+                        <a:t>0.968463</a:t>
                       </a:r>
                       <a:endParaRPr lang="it-IT" dirty="0"/>
                     </a:p>
@@ -5044,7 +5137,7 @@
                           <a:ea typeface="+mn-ea"/>
                           <a:cs typeface="+mn-cs"/>
                         </a:rPr>
-                        <a:t>0.96384</a:t>
+                        <a:t>0.971692</a:t>
                       </a:r>
                       <a:endParaRPr lang="it-IT" dirty="0"/>
                     </a:p>
@@ -5067,7 +5160,7 @@
                           <a:ea typeface="+mn-ea"/>
                           <a:cs typeface="+mn-cs"/>
                         </a:rPr>
-                        <a:t>0.959675</a:t>
+                        <a:t>0.972602</a:t>
                       </a:r>
                       <a:endParaRPr lang="it-IT" dirty="0"/>
                     </a:p>
@@ -5090,7 +5183,7 @@
                           <a:ea typeface="+mn-ea"/>
                           <a:cs typeface="+mn-cs"/>
                         </a:rPr>
-                        <a:t>0.997044</a:t>
+                        <a:t>0.997055</a:t>
                       </a:r>
                       <a:endParaRPr lang="it-IT" dirty="0"/>
                     </a:p>
@@ -5142,7 +5235,7 @@
                           <a:ea typeface="+mn-ea"/>
                           <a:cs typeface="+mn-cs"/>
                         </a:rPr>
-                        <a:t>0.90423</a:t>
+                        <a:t>0.927903</a:t>
                       </a:r>
                       <a:endParaRPr lang="it-IT" dirty="0"/>
                     </a:p>
@@ -5165,7 +5258,7 @@
                           <a:ea typeface="+mn-ea"/>
                           <a:cs typeface="+mn-cs"/>
                         </a:rPr>
-                        <a:t>0.899939</a:t>
+                        <a:t>0.933537</a:t>
                       </a:r>
                       <a:endParaRPr lang="it-IT" dirty="0"/>
                     </a:p>
@@ -5188,7 +5281,7 @@
                           <a:ea typeface="+mn-ea"/>
                           <a:cs typeface="+mn-cs"/>
                         </a:rPr>
-                        <a:t>0.940902</a:t>
+                        <a:t>0.919518</a:t>
                       </a:r>
                       <a:endParaRPr lang="it-IT" dirty="0"/>
                     </a:p>
@@ -5211,7 +5304,7 @@
                           <a:ea typeface="+mn-ea"/>
                           <a:cs typeface="+mn-cs"/>
                         </a:rPr>
-                        <a:t>0.878202</a:t>
+                        <a:t>0.780391</a:t>
                       </a:r>
                       <a:endParaRPr lang="it-IT" dirty="0"/>
                     </a:p>
@@ -5286,7 +5379,7 @@
                           <a:ea typeface="+mn-ea"/>
                           <a:cs typeface="+mn-cs"/>
                         </a:rPr>
-                        <a:t>0.997949</a:t>
+                        <a:t>0.998363</a:t>
                       </a:r>
                       <a:endParaRPr lang="it-IT" dirty="0"/>
                     </a:p>
@@ -5309,7 +5402,7 @@
                           <a:ea typeface="+mn-ea"/>
                           <a:cs typeface="+mn-cs"/>
                         </a:rPr>
-                        <a:t>0.997949</a:t>
+                        <a:t>0.998363</a:t>
                       </a:r>
                       <a:endParaRPr lang="it-IT" dirty="0"/>
                     </a:p>
@@ -5402,7 +5495,7 @@
                           <a:ea typeface="+mn-ea"/>
                           <a:cs typeface="+mn-cs"/>
                         </a:rPr>
-                        <a:t>0.693344</a:t>
+                        <a:t>0.517832</a:t>
                       </a:r>
                       <a:endParaRPr lang="it-IT" dirty="0"/>
                     </a:p>
@@ -5425,7 +5518,7 @@
                           <a:ea typeface="+mn-ea"/>
                           <a:cs typeface="+mn-cs"/>
                         </a:rPr>
-                        <a:t>0.829687</a:t>
+                        <a:t>0.411506</a:t>
                       </a:r>
                       <a:endParaRPr lang="it-IT" dirty="0"/>
                     </a:p>
@@ -5448,7 +5541,7 @@
                           <a:ea typeface="+mn-ea"/>
                           <a:cs typeface="+mn-cs"/>
                         </a:rPr>
-                        <a:t>0.691129</a:t>
+                        <a:t>0.507002</a:t>
                       </a:r>
                       <a:endParaRPr lang="it-IT" dirty="0"/>
                     </a:p>
@@ -5675,7 +5768,56 @@
             <a:pPr lvl="1"/>
             <a:r>
               <a:rPr lang="it-IT" sz="1600" i="0" dirty="0"/>
-              <a:t>Good </a:t>
+              <a:t>Good at </a:t>
+            </a:r>
+            <a:r>
+              <a:rPr lang="it-IT" sz="1600" i="0" dirty="0" err="1"/>
+              <a:t>predicting</a:t>
+            </a:r>
+            <a:r>
+              <a:rPr lang="it-IT" sz="1600" i="0" dirty="0"/>
+              <a:t> the negative class, but with </a:t>
+            </a:r>
+            <a:r>
+              <a:rPr lang="it-IT" sz="1600" i="0" dirty="0" err="1"/>
+              <a:t>many</a:t>
+            </a:r>
+            <a:r>
+              <a:rPr lang="it-IT" sz="1600" i="0" dirty="0"/>
+              <a:t> false </a:t>
+            </a:r>
+            <a:r>
+              <a:rPr lang="it-IT" sz="1600" i="0" dirty="0" err="1"/>
+              <a:t>negatives</a:t>
+            </a:r>
+            <a:r>
+              <a:rPr lang="it-IT" sz="1600" i="0" dirty="0"/>
+              <a:t>.</a:t>
+            </a:r>
+          </a:p>
+          <a:p>
+            <a:r>
+              <a:rPr lang="it-IT" sz="1600" b="1" i="0" dirty="0" err="1"/>
+              <a:t>Logistic</a:t>
+            </a:r>
+            <a:r>
+              <a:rPr lang="it-IT" sz="1600" b="1" i="0" dirty="0"/>
+              <a:t> </a:t>
+            </a:r>
+            <a:r>
+              <a:rPr lang="it-IT" sz="1600" b="1" i="0" dirty="0" err="1"/>
+              <a:t>Regression</a:t>
+            </a:r>
+            <a:r>
+              <a:rPr lang="it-IT" sz="1600" b="1" i="0" dirty="0"/>
+              <a:t>:</a:t>
+            </a:r>
+          </a:p>
+          <a:p>
+            <a:pPr lvl="1"/>
+            <a:r>
+              <a:rPr lang="it-IT" sz="1600" i="0" dirty="0"/>
+              <a:t>Strong </a:t>
             </a:r>
             <a:r>
               <a:rPr lang="it-IT" sz="1600" i="0" dirty="0" err="1"/>
@@ -5691,7 +5833,15 @@
             </a:r>
             <a:r>
               <a:rPr lang="it-IT" sz="1600" i="0" dirty="0"/>
-              <a:t> the positive class, </a:t>
+              <a:t> </a:t>
+            </a:r>
+            <a:r>
+              <a:rPr lang="it-IT" sz="1600" i="0" dirty="0" err="1"/>
+              <a:t>both</a:t>
+            </a:r>
+            <a:r>
+              <a:rPr lang="it-IT" sz="1600" i="0" dirty="0"/>
+              <a:t> classes, </a:t>
             </a:r>
             <a:r>
               <a:rPr lang="it-IT" sz="1600" i="0" dirty="0" err="1"/>
@@ -5715,40 +5865,40 @@
             </a:r>
             <a:r>
               <a:rPr lang="it-IT" sz="1600" i="0" dirty="0"/>
+              <a:t> and </a:t>
+            </a:r>
+            <a:r>
+              <a:rPr lang="it-IT" sz="1600" i="0" dirty="0" err="1"/>
+              <a:t>negatives</a:t>
+            </a:r>
+            <a:r>
+              <a:rPr lang="it-IT" sz="1600" i="0" dirty="0"/>
               <a:t>.</a:t>
             </a:r>
           </a:p>
           <a:p>
             <a:r>
-              <a:rPr lang="it-IT" sz="1600" b="1" i="0" dirty="0" err="1"/>
+              <a:rPr lang="it-IT" sz="1600" b="1" dirty="0" err="1"/>
               <a:t>Logistic</a:t>
             </a:r>
             <a:r>
-              <a:rPr lang="it-IT" sz="1600" b="1" i="0" dirty="0"/>
-              <a:t> </a:t>
-            </a:r>
-            <a:r>
-              <a:rPr lang="it-IT" sz="1600" b="1" i="0" dirty="0" err="1"/>
+              <a:rPr lang="it-IT" sz="1600" b="1" dirty="0"/>
+              <a:t> </a:t>
+            </a:r>
+            <a:r>
+              <a:rPr lang="it-IT" sz="1600" b="1" dirty="0" err="1"/>
               <a:t>Regression</a:t>
             </a:r>
             <a:r>
-              <a:rPr lang="it-IT" sz="1600" b="1" i="0" dirty="0"/>
-              <a:t>:</a:t>
+              <a:rPr lang="it-IT" sz="1600" b="1" dirty="0"/>
+              <a:t>-PCA:</a:t>
             </a:r>
           </a:p>
           <a:p>
             <a:pPr lvl="1"/>
             <a:r>
               <a:rPr lang="it-IT" sz="1600" i="0" dirty="0"/>
-              <a:t>Strong </a:t>
-            </a:r>
-            <a:r>
-              <a:rPr lang="it-IT" sz="1600" i="0" dirty="0" err="1"/>
-              <a:t>at</a:t>
-            </a:r>
-            <a:r>
-              <a:rPr lang="it-IT" sz="1600" i="0" dirty="0"/>
-              <a:t> </a:t>
+              <a:t>Good at </a:t>
             </a:r>
             <a:r>
               <a:rPr lang="it-IT" sz="1600" i="0" dirty="0" err="1"/>
@@ -5756,7 +5906,45 @@
             </a:r>
             <a:r>
               <a:rPr lang="it-IT" sz="1600" i="0" dirty="0"/>
-              <a:t> </a:t>
+              <a:t> the positive class but with a </a:t>
+            </a:r>
+            <a:r>
+              <a:rPr lang="it-IT" sz="1600" i="0" dirty="0" err="1"/>
+              <a:t>lot</a:t>
+            </a:r>
+            <a:r>
+              <a:rPr lang="it-IT" sz="1600" i="0" dirty="0"/>
+              <a:t> of false </a:t>
+            </a:r>
+            <a:r>
+              <a:rPr lang="it-IT" sz="1600" i="0" dirty="0" err="1"/>
+              <a:t>positives</a:t>
+            </a:r>
+            <a:r>
+              <a:rPr lang="it-IT" sz="1600" i="0" dirty="0"/>
+              <a:t>.</a:t>
+            </a:r>
+          </a:p>
+          <a:p>
+            <a:r>
+              <a:rPr lang="it-IT" sz="1600" b="1" dirty="0"/>
+              <a:t>Random </a:t>
+            </a:r>
+            <a:r>
+              <a:rPr lang="it-IT" sz="1600" b="1" dirty="0" err="1"/>
+              <a:t>Forest</a:t>
+            </a:r>
+            <a:r>
+              <a:rPr lang="it-IT" sz="1600" b="1" dirty="0"/>
+              <a:t>:</a:t>
+            </a:r>
+            <a:endParaRPr lang="it-IT" sz="1600" dirty="0"/>
+          </a:p>
+          <a:p>
+            <a:pPr lvl="1"/>
+            <a:r>
+              <a:rPr lang="it-IT" sz="1600" i="0" dirty="0"/>
+              <a:t>Strong on </a:t>
             </a:r>
             <a:r>
               <a:rPr lang="it-IT" sz="1600" i="0" dirty="0" err="1"/>
@@ -5764,15 +5952,48 @@
             </a:r>
             <a:r>
               <a:rPr lang="it-IT" sz="1600" i="0" dirty="0"/>
-              <a:t> classes, </a:t>
+              <a:t> classes.</a:t>
+            </a:r>
+          </a:p>
+          <a:p>
+            <a:r>
+              <a:rPr lang="it-IT" sz="1600" b="1" dirty="0" err="1"/>
+              <a:t>Decision</a:t>
+            </a:r>
+            <a:r>
+              <a:rPr lang="it-IT" sz="1600" b="1" dirty="0"/>
+              <a:t> </a:t>
+            </a:r>
+            <a:r>
+              <a:rPr lang="it-IT" sz="1600" b="1" dirty="0" err="1"/>
+              <a:t>Tree</a:t>
+            </a:r>
+            <a:r>
+              <a:rPr lang="it-IT" sz="1600" b="1" dirty="0"/>
+              <a:t>:</a:t>
+            </a:r>
+          </a:p>
+          <a:p>
+            <a:pPr lvl="1"/>
+            <a:r>
+              <a:rPr lang="it-IT" sz="1600" i="0" dirty="0"/>
+              <a:t>Good at </a:t>
             </a:r>
             <a:r>
               <a:rPr lang="it-IT" sz="1600" i="0" dirty="0" err="1"/>
-              <a:t>but</a:t>
+              <a:t>predicting</a:t>
             </a:r>
             <a:r>
               <a:rPr lang="it-IT" sz="1600" i="0" dirty="0"/>
-              <a:t> with </a:t>
+              <a:t> </a:t>
+            </a:r>
+            <a:r>
+              <a:rPr lang="it-IT" sz="1600" i="0" dirty="0" err="1"/>
+              <a:t>both</a:t>
+            </a:r>
+            <a:r>
+              <a:rPr lang="it-IT" sz="1600" i="0" dirty="0"/>
+              <a:t> classes with </a:t>
             </a:r>
             <a:r>
               <a:rPr lang="it-IT" sz="1600" i="0" dirty="0" err="1"/>
@@ -5784,175 +6005,7 @@
             </a:r>
             <a:r>
               <a:rPr lang="it-IT" sz="1600" i="0" dirty="0" err="1"/>
-              <a:t>positives</a:t>
-            </a:r>
-            <a:r>
-              <a:rPr lang="it-IT" sz="1600" i="0" dirty="0"/>
-              <a:t> and </a:t>
-            </a:r>
-            <a:r>
-              <a:rPr lang="it-IT" sz="1600" i="0" dirty="0" err="1"/>
               <a:t>negatives</a:t>
-            </a:r>
-            <a:r>
-              <a:rPr lang="it-IT" sz="1600" i="0" dirty="0"/>
-              <a:t>.</a:t>
-            </a:r>
-          </a:p>
-          <a:p>
-            <a:r>
-              <a:rPr lang="it-IT" sz="1600" b="1" dirty="0" err="1"/>
-              <a:t>Logistic</a:t>
-            </a:r>
-            <a:r>
-              <a:rPr lang="it-IT" sz="1600" b="1" dirty="0"/>
-              <a:t> </a:t>
-            </a:r>
-            <a:r>
-              <a:rPr lang="it-IT" sz="1600" b="1" dirty="0" err="1"/>
-              <a:t>Regression</a:t>
-            </a:r>
-            <a:r>
-              <a:rPr lang="it-IT" sz="1600" b="1" dirty="0"/>
-              <a:t>-PCA:</a:t>
-            </a:r>
-          </a:p>
-          <a:p>
-            <a:pPr lvl="1"/>
-            <a:r>
-              <a:rPr lang="it-IT" sz="1600" i="0" dirty="0"/>
-              <a:t>Good </a:t>
-            </a:r>
-            <a:r>
-              <a:rPr lang="it-IT" sz="1600" i="0" dirty="0" err="1"/>
-              <a:t>at</a:t>
-            </a:r>
-            <a:r>
-              <a:rPr lang="it-IT" sz="1600" i="0" dirty="0"/>
-              <a:t> </a:t>
-            </a:r>
-            <a:r>
-              <a:rPr lang="it-IT" sz="1600" i="0" dirty="0" err="1"/>
-              <a:t>predicting</a:t>
-            </a:r>
-            <a:r>
-              <a:rPr lang="it-IT" sz="1600" i="0" dirty="0"/>
-              <a:t> the negative class </a:t>
-            </a:r>
-            <a:r>
-              <a:rPr lang="it-IT" sz="1600" i="0" dirty="0" err="1"/>
-              <a:t>but</a:t>
-            </a:r>
-            <a:r>
-              <a:rPr lang="it-IT" sz="1600" i="0" dirty="0"/>
-              <a:t> with a </a:t>
-            </a:r>
-            <a:r>
-              <a:rPr lang="it-IT" sz="1600" i="0" dirty="0" err="1"/>
-              <a:t>lot</a:t>
-            </a:r>
-            <a:r>
-              <a:rPr lang="it-IT" sz="1600" i="0" dirty="0"/>
-              <a:t> of false </a:t>
-            </a:r>
-            <a:r>
-              <a:rPr lang="it-IT" sz="1600" i="0" dirty="0" err="1"/>
-              <a:t>negatives</a:t>
-            </a:r>
-            <a:r>
-              <a:rPr lang="it-IT" sz="1600" i="0" dirty="0"/>
-              <a:t>.</a:t>
-            </a:r>
-          </a:p>
-          <a:p>
-            <a:r>
-              <a:rPr lang="it-IT" sz="1600" b="1" dirty="0"/>
-              <a:t>Random </a:t>
-            </a:r>
-            <a:r>
-              <a:rPr lang="it-IT" sz="1600" b="1" dirty="0" err="1"/>
-              <a:t>Forest</a:t>
-            </a:r>
-            <a:r>
-              <a:rPr lang="it-IT" sz="1600" b="1" dirty="0"/>
-              <a:t>:</a:t>
-            </a:r>
-            <a:endParaRPr lang="it-IT" sz="1600" dirty="0"/>
-          </a:p>
-          <a:p>
-            <a:pPr lvl="1"/>
-            <a:r>
-              <a:rPr lang="it-IT" sz="1600" i="0" dirty="0"/>
-              <a:t>Strong on </a:t>
-            </a:r>
-            <a:r>
-              <a:rPr lang="it-IT" sz="1600" i="0" dirty="0" err="1"/>
-              <a:t>both</a:t>
-            </a:r>
-            <a:r>
-              <a:rPr lang="it-IT" sz="1600" i="0" dirty="0"/>
-              <a:t> classes.</a:t>
-            </a:r>
-          </a:p>
-          <a:p>
-            <a:r>
-              <a:rPr lang="it-IT" sz="1600" b="1" dirty="0" err="1"/>
-              <a:t>Decision</a:t>
-            </a:r>
-            <a:r>
-              <a:rPr lang="it-IT" sz="1600" b="1" dirty="0"/>
-              <a:t> </a:t>
-            </a:r>
-            <a:r>
-              <a:rPr lang="it-IT" sz="1600" b="1" dirty="0" err="1"/>
-              <a:t>Tree</a:t>
-            </a:r>
-            <a:r>
-              <a:rPr lang="it-IT" sz="1600" b="1" dirty="0"/>
-              <a:t>:</a:t>
-            </a:r>
-          </a:p>
-          <a:p>
-            <a:pPr lvl="1"/>
-            <a:r>
-              <a:rPr lang="it-IT" sz="1600" i="0" dirty="0"/>
-              <a:t>Good </a:t>
-            </a:r>
-            <a:r>
-              <a:rPr lang="it-IT" sz="1600" i="0" dirty="0" err="1"/>
-              <a:t>at</a:t>
-            </a:r>
-            <a:r>
-              <a:rPr lang="it-IT" sz="1600" i="0" dirty="0"/>
-              <a:t> </a:t>
-            </a:r>
-            <a:r>
-              <a:rPr lang="it-IT" sz="1600" i="0" dirty="0" err="1"/>
-              <a:t>predicting</a:t>
-            </a:r>
-            <a:r>
-              <a:rPr lang="it-IT" sz="1600" i="0" dirty="0"/>
-              <a:t> </a:t>
-            </a:r>
-            <a:r>
-              <a:rPr lang="it-IT" sz="1600" i="0" dirty="0" err="1"/>
-              <a:t>both</a:t>
-            </a:r>
-            <a:r>
-              <a:rPr lang="it-IT" sz="1600" i="0" dirty="0"/>
-              <a:t> classes with </a:t>
-            </a:r>
-            <a:r>
-              <a:rPr lang="it-IT" sz="1600" i="0" dirty="0" err="1"/>
-              <a:t>many</a:t>
-            </a:r>
-            <a:r>
-              <a:rPr lang="it-IT" sz="1600" i="0" dirty="0"/>
-              <a:t> false </a:t>
-            </a:r>
-            <a:r>
-              <a:rPr lang="it-IT" sz="1600" i="0" dirty="0" err="1"/>
-              <a:t>positives</a:t>
             </a:r>
             <a:r>
               <a:rPr lang="it-IT" sz="1600" i="0" dirty="0"/>
@@ -6047,7 +6100,7 @@
       </p:sp>
       <p:pic>
         <p:nvPicPr>
-          <p:cNvPr id="8" name="Immagine 7" descr="Immagine che contiene testo, schermata, diagramma, numero&#10;&#10;Descrizione generata automaticamente">
+          <p:cNvPr id="8" name="Immagine 7">
             <a:extLst>
               <a:ext uri="{FF2B5EF4-FFF2-40B4-BE49-F238E27FC236}">
                 <a16:creationId xmlns:a16="http://schemas.microsoft.com/office/drawing/2014/main" id="{E71C9B05-7A48-9351-2146-AE019D5609DC}"/>
@@ -6061,14 +6114,13 @@
         </p:nvPicPr>
         <p:blipFill>
           <a:blip r:embed="rId2"/>
-          <a:stretch>
-            <a:fillRect/>
-          </a:stretch>
+          <a:srcRect/>
+          <a:stretch/>
         </p:blipFill>
         <p:spPr>
           <a:xfrm>
-            <a:off x="7516865" y="1972457"/>
-            <a:ext cx="4403921" cy="4371893"/>
+            <a:off x="7516865" y="1973713"/>
+            <a:ext cx="4403921" cy="4369380"/>
           </a:xfrm>
           <a:prstGeom prst="rect">
             <a:avLst/>
@@ -7540,7 +7592,7 @@
           <p:nvPr>
             <p:extLst>
               <p:ext uri="{D42A27DB-BD31-4B8C-83A1-F6EECF244321}">
-                <p14:modId xmlns:p14="http://schemas.microsoft.com/office/powerpoint/2010/main" val="1813888607"/>
+                <p14:modId xmlns:p14="http://schemas.microsoft.com/office/powerpoint/2010/main" val="3915244189"/>
               </p:ext>
             </p:extLst>
           </p:nvPr>
@@ -7679,7 +7731,7 @@
                     <a:p>
                       <a:r>
                         <a:rPr lang="it-IT" dirty="0"/>
-                        <a:t>Multi-Layer </a:t>
+                        <a:t>Multi Layer </a:t>
                       </a:r>
                       <a:r>
                         <a:rPr lang="it-IT" dirty="0" err="1"/>
@@ -7706,7 +7758,7 @@
                           <a:ea typeface="+mn-ea"/>
                           <a:cs typeface="+mn-cs"/>
                         </a:rPr>
-                        <a:t>0.785614</a:t>
+                        <a:t>0.757057</a:t>
                       </a:r>
                       <a:endParaRPr lang="it-IT" dirty="0"/>
                     </a:p>
@@ -7729,7 +7781,7 @@
                           <a:ea typeface="+mn-ea"/>
                           <a:cs typeface="+mn-cs"/>
                         </a:rPr>
-                        <a:t>0.793527</a:t>
+                        <a:t>0.741387</a:t>
                       </a:r>
                       <a:endParaRPr lang="it-IT" dirty="0"/>
                     </a:p>
@@ -7752,7 +7804,7 @@
                           <a:ea typeface="+mn-ea"/>
                           <a:cs typeface="+mn-cs"/>
                         </a:rPr>
-                        <a:t>0.869193</a:t>
+                        <a:t>0.667651</a:t>
                       </a:r>
                       <a:endParaRPr lang="it-IT" dirty="0"/>
                     </a:p>
@@ -7775,7 +7827,7 @@
                           <a:ea typeface="+mn-ea"/>
                           <a:cs typeface="+mn-cs"/>
                         </a:rPr>
-                        <a:t>0.829603</a:t>
+                        <a:t>0.832976</a:t>
                       </a:r>
                       <a:endParaRPr lang="it-IT" dirty="0"/>
                     </a:p>
@@ -7840,7 +7892,7 @@
                           <a:ea typeface="+mn-ea"/>
                           <a:cs typeface="+mn-cs"/>
                         </a:rPr>
-                        <a:t>0.762428</a:t>
+                        <a:t>0.797978</a:t>
                       </a:r>
                       <a:endParaRPr lang="it-IT" dirty="0"/>
                     </a:p>
@@ -7879,7 +7931,7 @@
                           <a:ea typeface="+mn-ea"/>
                           <a:cs typeface="+mn-cs"/>
                         </a:rPr>
-                        <a:t>0.778411</a:t>
+                        <a:t>0.784284</a:t>
                       </a:r>
                     </a:p>
                   </a:txBody>
@@ -7901,7 +7953,7 @@
                           <a:ea typeface="+mn-ea"/>
                           <a:cs typeface="+mn-cs"/>
                         </a:rPr>
-                        <a:t>0.838111</a:t>
+                        <a:t>0.838115</a:t>
                       </a:r>
                       <a:endParaRPr lang="it-IT" dirty="0"/>
                     </a:p>
@@ -7948,7 +8000,7 @@
                           <a:ea typeface="+mn-ea"/>
                           <a:cs typeface="+mn-cs"/>
                         </a:rPr>
-                        <a:t>0.961841</a:t>
+                        <a:t>0.968877</a:t>
                       </a:r>
                       <a:endParaRPr lang="it-IT" dirty="0"/>
                     </a:p>
@@ -7971,7 +8023,7 @@
                           <a:ea typeface="+mn-ea"/>
                           <a:cs typeface="+mn-cs"/>
                         </a:rPr>
-                        <a:t>0.956872</a:t>
+                        <a:t>0.971873</a:t>
                       </a:r>
                       <a:endParaRPr lang="it-IT" dirty="0"/>
                     </a:p>
@@ -7994,7 +8046,7 @@
                           <a:ea typeface="+mn-ea"/>
                           <a:cs typeface="+mn-cs"/>
                         </a:rPr>
-                        <a:t>0.954995</a:t>
+                        <a:t>0.968829</a:t>
                       </a:r>
                       <a:endParaRPr lang="it-IT" dirty="0"/>
                     </a:p>
@@ -8017,7 +8069,7 @@
                           <a:ea typeface="+mn-ea"/>
                           <a:cs typeface="+mn-cs"/>
                         </a:rPr>
-                        <a:t>0.993065</a:t>
+                        <a:t>0.99562</a:t>
                       </a:r>
                       <a:endParaRPr lang="it-IT" dirty="0"/>
                     </a:p>
@@ -8208,12 +8260,16 @@
           <a:p>
             <a:pPr lvl="0"/>
             <a:r>
-              <a:rPr lang="it-IT" b="1" i="0" dirty="0" err="1"/>
-              <a:t>Multilayer</a:t>
-            </a:r>
-            <a:r>
               <a:rPr lang="it-IT" b="1" i="0" dirty="0"/>
-              <a:t> </a:t>
+              <a:t>Multi</a:t>
+            </a:r>
+            <a:r>
+              <a:rPr lang="it-IT" b="1" dirty="0"/>
+              <a:t> </a:t>
+            </a:r>
+            <a:r>
+              <a:rPr lang="it-IT" b="1" i="0" dirty="0"/>
+              <a:t>Layer </a:t>
             </a:r>
             <a:r>
               <a:rPr lang="it-IT" b="1" i="0" dirty="0" err="1"/>
@@ -8248,15 +8304,7 @@
             </a:r>
             <a:r>
               <a:rPr lang="it-IT" i="0" dirty="0"/>
-              <a:t> classes, </a:t>
-            </a:r>
-            <a:r>
-              <a:rPr lang="it-IT" i="0" dirty="0" err="1"/>
-              <a:t>but</a:t>
-            </a:r>
-            <a:r>
-              <a:rPr lang="it-IT" i="0" dirty="0"/>
-              <a:t> a </a:t>
+              <a:t> classes, but a </a:t>
             </a:r>
             <a:r>
               <a:rPr lang="it-IT" i="0" dirty="0" err="1"/>
@@ -8268,7 +8316,7 @@
             </a:r>
             <a:r>
               <a:rPr lang="it-IT" i="0" dirty="0" err="1"/>
-              <a:t>positives</a:t>
+              <a:t>negatives</a:t>
             </a:r>
             <a:r>
               <a:rPr lang="it-IT" i="0" dirty="0"/>
@@ -8416,7 +8464,7 @@
       </p:sp>
       <p:pic>
         <p:nvPicPr>
-          <p:cNvPr id="8" name="Immagine 7" descr="Immagine che contiene testo, schermata, Policromia, numero&#10;&#10;Descrizione generata automaticamente">
+          <p:cNvPr id="8" name="Immagine 7">
             <a:extLst>
               <a:ext uri="{FF2B5EF4-FFF2-40B4-BE49-F238E27FC236}">
                 <a16:creationId xmlns:a16="http://schemas.microsoft.com/office/drawing/2014/main" id="{FAA35790-D735-CD35-C726-E44E8213E2B6}"/>
@@ -8430,14 +8478,13 @@
         </p:nvPicPr>
         <p:blipFill>
           <a:blip r:embed="rId2"/>
-          <a:stretch>
-            <a:fillRect/>
-          </a:stretch>
+          <a:srcRect/>
+          <a:stretch/>
         </p:blipFill>
         <p:spPr>
           <a:xfrm>
-            <a:off x="2828223" y="1784351"/>
-            <a:ext cx="6535553" cy="2526448"/>
+            <a:off x="2837987" y="1784351"/>
+            <a:ext cx="6516025" cy="2526448"/>
           </a:xfrm>
           <a:prstGeom prst="rect">
             <a:avLst/>
@@ -8524,7 +8571,7 @@
       </p:sp>
       <p:pic>
         <p:nvPicPr>
-          <p:cNvPr id="4" name="Segnaposto contenuto 5" descr="Immagine che contiene testo, schermata, diagramma, linea&#10;&#10;Descrizione generata automaticamente">
+          <p:cNvPr id="4" name="Segnaposto contenuto 5">
             <a:extLst>
               <a:ext uri="{FF2B5EF4-FFF2-40B4-BE49-F238E27FC236}">
                 <a16:creationId xmlns:a16="http://schemas.microsoft.com/office/drawing/2014/main" id="{2E239478-1B16-5893-DF10-57C1A20FD187}"/>
@@ -8539,16 +8586,9 @@
           </p:nvPr>
         </p:nvPicPr>
         <p:blipFill>
-          <a:blip r:embed="rId2">
-            <a:extLst>
-              <a:ext uri="{28A0092B-C50C-407E-A947-70E740481C1C}">
-                <a14:useLocalDpi xmlns:a14="http://schemas.microsoft.com/office/drawing/2010/main" val="0"/>
-              </a:ext>
-            </a:extLst>
-          </a:blip>
-          <a:stretch>
-            <a:fillRect/>
-          </a:stretch>
+          <a:blip r:embed="rId2"/>
+          <a:srcRect/>
+          <a:stretch/>
         </p:blipFill>
         <p:spPr>
           <a:xfrm>
@@ -8573,7 +8613,7 @@
         </p:nvSpPr>
         <p:spPr>
           <a:xfrm>
-            <a:off x="1371600" y="2585860"/>
+            <a:off x="1371600" y="2436570"/>
             <a:ext cx="5266267" cy="3145367"/>
           </a:xfrm>
           <a:prstGeom prst="rect">
@@ -8840,15 +8880,7 @@
             <a:pPr lvl="1"/>
             <a:r>
               <a:rPr lang="it-IT" i="0" dirty="0" err="1"/>
-              <a:t>Gradient</a:t>
-            </a:r>
-            <a:r>
-              <a:rPr lang="it-IT" i="0" dirty="0"/>
-              <a:t> </a:t>
-            </a:r>
-            <a:r>
-              <a:rPr lang="it-IT" i="0" dirty="0" err="1"/>
-              <a:t>Boosted</a:t>
+              <a:t>Gradient-Boosted</a:t>
             </a:r>
             <a:r>
               <a:rPr lang="it-IT" i="0" dirty="0"/>
@@ -10535,7 +10567,7 @@
         </p:nvSpPr>
         <p:spPr>
           <a:xfrm>
-            <a:off x="984955" y="2742901"/>
+            <a:off x="1473200" y="2171700"/>
             <a:ext cx="10222089" cy="2862032"/>
           </a:xfrm>
         </p:spPr>
@@ -11565,7 +11597,7 @@
             </a:r>
             <a:r>
               <a:rPr lang="it-IT" i="0" dirty="0" err="1"/>
-              <a:t>smoothing</a:t>
+              <a:t>Smoothing</a:t>
             </a:r>
             <a:r>
               <a:rPr lang="it-IT" i="0" dirty="0"/>
@@ -11823,7 +11855,7 @@
             </a:r>
             <a:r>
               <a:rPr lang="it-IT" dirty="0"/>
-              <a:t> = 0, </a:t>
+              <a:t> = 0.0, </a:t>
             </a:r>
             <a:r>
               <a:rPr lang="it-IT" i="1" dirty="0" err="1"/>
@@ -12450,10 +12482,6 @@
           <a:p>
             <a:pPr lvl="2"/>
             <a:r>
-              <a:rPr lang="it-IT" i="1" dirty="0"/>
-              <a:t>Max Depth. </a:t>
-            </a:r>
-            <a:r>
               <a:rPr lang="it-IT" dirty="0"/>
               <a:t>Best </a:t>
             </a:r>
@@ -12463,11 +12491,31 @@
             </a:r>
             <a:r>
               <a:rPr lang="it-IT" dirty="0"/>
-              <a:t> = 10</a:t>
+              <a:t>: </a:t>
+            </a:r>
+            <a:r>
+              <a:rPr lang="it-IT" i="1" dirty="0"/>
+              <a:t>Max Depth </a:t>
+            </a:r>
+            <a:r>
+              <a:rPr lang="it-IT" dirty="0"/>
+              <a:t>= 10</a:t>
             </a:r>
           </a:p>
           <a:p>
             <a:pPr lvl="2"/>
+            <a:r>
+              <a:rPr lang="it-IT" dirty="0"/>
+              <a:t>Best </a:t>
+            </a:r>
+            <a:r>
+              <a:rPr lang="it-IT" dirty="0" err="1"/>
+              <a:t>value</a:t>
+            </a:r>
+            <a:r>
+              <a:rPr lang="it-IT" dirty="0"/>
+              <a:t>: </a:t>
+            </a:r>
             <a:r>
               <a:rPr lang="it-IT" i="1" dirty="0"/>
               <a:t>Max </a:t>
@@ -12478,15 +12526,7 @@
             </a:r>
             <a:r>
               <a:rPr lang="it-IT" dirty="0"/>
-              <a:t>. Best </a:t>
-            </a:r>
-            <a:r>
-              <a:rPr lang="it-IT" dirty="0" err="1"/>
-              <a:t>value</a:t>
-            </a:r>
-            <a:r>
-              <a:rPr lang="it-IT" dirty="0"/>
-              <a:t> = 40</a:t>
+              <a:t> = 20</a:t>
             </a:r>
           </a:p>
         </p:txBody>
@@ -12870,7 +12910,7 @@
             </a:r>
             <a:r>
               <a:rPr lang="it-IT" dirty="0"/>
-              <a:t> = 10</a:t>
+              <a:t> = 40</a:t>
             </a:r>
             <a:endParaRPr lang="it-IT" i="0" dirty="0"/>
           </a:p>
@@ -13597,7 +13637,7 @@
             </a:r>
             <a:r>
               <a:rPr lang="it-IT" i="1" dirty="0"/>
-              <a:t> = 1.0</a:t>
+              <a:t> = 0.0</a:t>
             </a:r>
           </a:p>
         </p:txBody>
